--- a/アーカイブ用/パワポ用/卒業制作のためのゲーム制作TIPS.pptx
+++ b/アーカイブ用/パワポ用/卒業制作のためのゲーム制作TIPS.pptx
@@ -255,7 +255,7 @@
           <a:p>
             <a:fld id="{07E2982A-A36C-445A-B9E6-FA6DBBF9F338}" type="datetimeFigureOut">
               <a:rPr kumimoji="1" lang="ja-JP" altLang="en-US" smtClean="0"/>
-              <a:t>2020/1/28</a:t>
+              <a:t>2020/1/29</a:t>
             </a:fld>
             <a:endParaRPr kumimoji="1" lang="ja-JP" altLang="en-US"/>
           </a:p>
@@ -457,7 +457,7 @@
           <a:p>
             <a:fld id="{07E2982A-A36C-445A-B9E6-FA6DBBF9F338}" type="datetimeFigureOut">
               <a:rPr kumimoji="1" lang="ja-JP" altLang="en-US" smtClean="0"/>
-              <a:t>2020/1/28</a:t>
+              <a:t>2020/1/29</a:t>
             </a:fld>
             <a:endParaRPr kumimoji="1" lang="ja-JP" altLang="en-US"/>
           </a:p>
@@ -669,7 +669,7 @@
           <a:p>
             <a:fld id="{07E2982A-A36C-445A-B9E6-FA6DBBF9F338}" type="datetimeFigureOut">
               <a:rPr kumimoji="1" lang="ja-JP" altLang="en-US" smtClean="0"/>
-              <a:t>2020/1/28</a:t>
+              <a:t>2020/1/29</a:t>
             </a:fld>
             <a:endParaRPr kumimoji="1" lang="ja-JP" altLang="en-US"/>
           </a:p>
@@ -871,7 +871,7 @@
           <a:p>
             <a:fld id="{07E2982A-A36C-445A-B9E6-FA6DBBF9F338}" type="datetimeFigureOut">
               <a:rPr kumimoji="1" lang="ja-JP" altLang="en-US" smtClean="0"/>
-              <a:t>2020/1/28</a:t>
+              <a:t>2020/1/29</a:t>
             </a:fld>
             <a:endParaRPr kumimoji="1" lang="ja-JP" altLang="en-US"/>
           </a:p>
@@ -1115,7 +1115,7 @@
           <a:p>
             <a:fld id="{07E2982A-A36C-445A-B9E6-FA6DBBF9F338}" type="datetimeFigureOut">
               <a:rPr kumimoji="1" lang="ja-JP" altLang="en-US" smtClean="0"/>
-              <a:t>2020/1/28</a:t>
+              <a:t>2020/1/29</a:t>
             </a:fld>
             <a:endParaRPr kumimoji="1" lang="ja-JP" altLang="en-US"/>
           </a:p>
@@ -1411,7 +1411,7 @@
           <a:p>
             <a:fld id="{07E2982A-A36C-445A-B9E6-FA6DBBF9F338}" type="datetimeFigureOut">
               <a:rPr kumimoji="1" lang="ja-JP" altLang="en-US" smtClean="0"/>
-              <a:t>2020/1/28</a:t>
+              <a:t>2020/1/29</a:t>
             </a:fld>
             <a:endParaRPr kumimoji="1" lang="ja-JP" altLang="en-US"/>
           </a:p>
@@ -1842,7 +1842,7 @@
           <a:p>
             <a:fld id="{07E2982A-A36C-445A-B9E6-FA6DBBF9F338}" type="datetimeFigureOut">
               <a:rPr kumimoji="1" lang="ja-JP" altLang="en-US" smtClean="0"/>
-              <a:t>2020/1/28</a:t>
+              <a:t>2020/1/29</a:t>
             </a:fld>
             <a:endParaRPr kumimoji="1" lang="ja-JP" altLang="en-US"/>
           </a:p>
@@ -1960,7 +1960,7 @@
           <a:p>
             <a:fld id="{07E2982A-A36C-445A-B9E6-FA6DBBF9F338}" type="datetimeFigureOut">
               <a:rPr kumimoji="1" lang="ja-JP" altLang="en-US" smtClean="0"/>
-              <a:t>2020/1/28</a:t>
+              <a:t>2020/1/29</a:t>
             </a:fld>
             <a:endParaRPr kumimoji="1" lang="ja-JP" altLang="en-US"/>
           </a:p>
@@ -2055,7 +2055,7 @@
           <a:p>
             <a:fld id="{07E2982A-A36C-445A-B9E6-FA6DBBF9F338}" type="datetimeFigureOut">
               <a:rPr kumimoji="1" lang="ja-JP" altLang="en-US" smtClean="0"/>
-              <a:t>2020/1/28</a:t>
+              <a:t>2020/1/29</a:t>
             </a:fld>
             <a:endParaRPr kumimoji="1" lang="ja-JP" altLang="en-US"/>
           </a:p>
@@ -2364,7 +2364,7 @@
           <a:p>
             <a:fld id="{07E2982A-A36C-445A-B9E6-FA6DBBF9F338}" type="datetimeFigureOut">
               <a:rPr kumimoji="1" lang="ja-JP" altLang="en-US" smtClean="0"/>
-              <a:t>2020/1/28</a:t>
+              <a:t>2020/1/29</a:t>
             </a:fld>
             <a:endParaRPr kumimoji="1" lang="ja-JP" altLang="en-US"/>
           </a:p>
@@ -2621,7 +2621,7 @@
           <a:p>
             <a:fld id="{07E2982A-A36C-445A-B9E6-FA6DBBF9F338}" type="datetimeFigureOut">
               <a:rPr kumimoji="1" lang="ja-JP" altLang="en-US" smtClean="0"/>
-              <a:t>2020/1/28</a:t>
+              <a:t>2020/1/29</a:t>
             </a:fld>
             <a:endParaRPr kumimoji="1" lang="ja-JP" altLang="en-US"/>
           </a:p>
@@ -2866,7 +2866,7 @@
           <a:p>
             <a:fld id="{07E2982A-A36C-445A-B9E6-FA6DBBF9F338}" type="datetimeFigureOut">
               <a:rPr kumimoji="1" lang="ja-JP" altLang="en-US" smtClean="0"/>
-              <a:t>2020/1/28</a:t>
+              <a:t>2020/1/29</a:t>
             </a:fld>
             <a:endParaRPr kumimoji="1" lang="ja-JP" altLang="en-US"/>
           </a:p>
@@ -3283,22 +3283,25 @@
         </p:nvSpPr>
         <p:spPr>
           <a:xfrm>
-            <a:off x="121418" y="88853"/>
+            <a:off x="154138" y="150006"/>
             <a:ext cx="6404558" cy="445604"/>
           </a:xfrm>
           <a:noFill/>
         </p:spPr>
         <p:txBody>
-          <a:bodyPr>
+          <a:bodyPr anchor="ctr">
             <a:noAutofit/>
           </a:bodyPr>
           <a:lstStyle/>
           <a:p>
             <a:r>
-              <a:rPr lang="ja-JP" altLang="en-US" sz="3200" b="1" dirty="0" smtClean="0">
-                <a:ln w="12700">
+              <a:rPr lang="ja-JP" altLang="en-US" sz="3250" b="1" dirty="0" smtClean="0">
+                <a:ln w="19050">
                   <a:solidFill>
-                    <a:schemeClr val="tx1"/>
+                    <a:schemeClr val="tx1">
+                      <a:lumMod val="85000"/>
+                      <a:lumOff val="15000"/>
+                    </a:schemeClr>
                   </a:solidFill>
                 </a:ln>
                 <a:solidFill>
@@ -3319,10 +3322,13 @@
               <a:t>卒業</a:t>
             </a:r>
             <a:r>
-              <a:rPr lang="ja-JP" altLang="en-US" sz="3200" b="1" dirty="0">
-                <a:ln w="12700">
+              <a:rPr lang="ja-JP" altLang="en-US" sz="3250" b="1" dirty="0">
+                <a:ln w="19050">
                   <a:solidFill>
-                    <a:schemeClr val="tx1"/>
+                    <a:schemeClr val="tx1">
+                      <a:lumMod val="85000"/>
+                      <a:lumOff val="15000"/>
+                    </a:schemeClr>
                   </a:solidFill>
                 </a:ln>
                 <a:solidFill>
@@ -3343,10 +3349,13 @@
               <a:t>制作</a:t>
             </a:r>
             <a:r>
-              <a:rPr lang="ja-JP" altLang="en-US" sz="3200" b="1" dirty="0" smtClean="0">
-                <a:ln w="12700">
+              <a:rPr lang="ja-JP" altLang="en-US" sz="3250" b="1" dirty="0" smtClean="0">
+                <a:ln w="19050">
                   <a:solidFill>
-                    <a:schemeClr val="tx1"/>
+                    <a:schemeClr val="tx1">
+                      <a:lumMod val="85000"/>
+                      <a:lumOff val="15000"/>
+                    </a:schemeClr>
                   </a:solidFill>
                 </a:ln>
                 <a:solidFill>
@@ -3367,10 +3376,13 @@
               <a:t>のためのゲーム制作</a:t>
             </a:r>
             <a:r>
-              <a:rPr lang="en-US" altLang="ja-JP" sz="3200" b="1" dirty="0" smtClean="0">
-                <a:ln w="12700">
+              <a:rPr lang="en-US" altLang="ja-JP" sz="3250" b="1" dirty="0" smtClean="0">
+                <a:ln w="19050">
                   <a:solidFill>
-                    <a:schemeClr val="tx1"/>
+                    <a:schemeClr val="tx1">
+                      <a:lumMod val="85000"/>
+                      <a:lumOff val="15000"/>
+                    </a:schemeClr>
                   </a:solidFill>
                 </a:ln>
                 <a:solidFill>
@@ -3390,10 +3402,13 @@
               </a:rPr>
               <a:t>TIPS</a:t>
             </a:r>
-            <a:endParaRPr kumimoji="1" lang="ja-JP" altLang="en-US" sz="3200" b="1" dirty="0">
-              <a:ln w="12700">
+            <a:endParaRPr kumimoji="1" lang="ja-JP" altLang="en-US" sz="3250" b="1" dirty="0">
+              <a:ln w="19050">
                 <a:solidFill>
-                  <a:schemeClr val="tx1"/>
+                  <a:schemeClr val="tx1">
+                    <a:lumMod val="85000"/>
+                    <a:lumOff val="15000"/>
+                  </a:schemeClr>
                 </a:solidFill>
               </a:ln>
               <a:solidFill>
@@ -3426,7 +3441,7 @@
         </p:nvSpPr>
         <p:spPr>
           <a:xfrm>
-            <a:off x="2403457" y="614207"/>
+            <a:off x="2465409" y="688515"/>
             <a:ext cx="4329961" cy="348579"/>
           </a:xfrm>
         </p:spPr>
@@ -3477,8 +3492,8 @@
         </p:blipFill>
         <p:spPr>
           <a:xfrm>
-            <a:off x="288097" y="788497"/>
-            <a:ext cx="1129584" cy="1232246"/>
+            <a:off x="328737" y="884209"/>
+            <a:ext cx="1081860" cy="1180185"/>
           </a:xfrm>
           <a:prstGeom prst="rect">
             <a:avLst/>
@@ -3520,13 +3535,13 @@
         </p:nvSpPr>
         <p:spPr>
           <a:xfrm>
-            <a:off x="1955234" y="1058101"/>
+            <a:off x="1959298" y="1080711"/>
             <a:ext cx="4636421" cy="1011152"/>
           </a:xfrm>
           <a:prstGeom prst="wedgeRoundRectCallout">
             <a:avLst>
-              <a:gd name="adj1" fmla="val -58690"/>
-              <a:gd name="adj2" fmla="val -22435"/>
+              <a:gd name="adj1" fmla="val -58033"/>
+              <a:gd name="adj2" fmla="val -19421"/>
               <a:gd name="adj3" fmla="val 16667"/>
             </a:avLst>
           </a:prstGeom>
@@ -3687,7 +3702,7 @@
             <a:p>
               <a:pPr algn="ctr"/>
               <a:r>
-                <a:rPr lang="ja-JP" altLang="en-US" sz="1050" b="0" cap="none" spc="0" dirty="0" smtClean="0">
+                <a:rPr lang="ja-JP" altLang="en-US" sz="1050" b="1" cap="none" spc="0" dirty="0" smtClean="0">
                   <a:ln w="0"/>
                   <a:solidFill>
                     <a:schemeClr val="tx1"/>
@@ -3703,7 +3718,7 @@
                 </a:rPr>
                 <a:t>うま</a:t>
               </a:r>
-              <a:endParaRPr lang="ja-JP" altLang="en-US" sz="1050" b="0" cap="none" spc="0" dirty="0">
+              <a:endParaRPr lang="ja-JP" altLang="en-US" sz="1050" b="1" cap="none" spc="0" dirty="0">
                 <a:ln w="0"/>
                 <a:solidFill>
                   <a:schemeClr val="tx1"/>
@@ -3729,16 +3744,14 @@
         </p:nvSpPr>
         <p:spPr>
           <a:xfrm>
-            <a:off x="19890" y="2265252"/>
-            <a:ext cx="6713528" cy="492443"/>
+            <a:off x="0" y="2265252"/>
+            <a:ext cx="6858000" cy="492443"/>
           </a:xfrm>
           <a:prstGeom prst="rect">
             <a:avLst/>
           </a:prstGeom>
           <a:solidFill>
-            <a:schemeClr val="bg1">
-              <a:lumMod val="85000"/>
-            </a:schemeClr>
+            <a:schemeClr val="accent4"/>
           </a:solidFill>
         </p:spPr>
         <p:txBody>
@@ -3776,12 +3789,17 @@
         <p:spPr>
           <a:xfrm>
             <a:off x="6402" y="2754271"/>
-            <a:ext cx="6727016" cy="1354217"/>
+            <a:ext cx="6851598" cy="1354217"/>
           </a:xfrm>
           <a:prstGeom prst="rect">
             <a:avLst/>
           </a:prstGeom>
-          <a:noFill/>
+          <a:solidFill>
+            <a:schemeClr val="accent3">
+              <a:lumMod val="20000"/>
+              <a:lumOff val="80000"/>
+            </a:schemeClr>
+          </a:solidFill>
           <a:ln>
             <a:solidFill>
               <a:schemeClr val="tx1"/>
@@ -3855,7 +3873,22 @@
                   </a:outerShdw>
                 </a:effectLst>
               </a:rPr>
-              <a:t>のチームメンバーに確認してもらうことが多いです</a:t>
+              <a:t>のチームメンバーに確認してもらうことが</a:t>
+            </a:r>
+            <a:r>
+              <a:rPr lang="ja-JP" altLang="en-US" b="1" dirty="0" smtClean="0">
+                <a:solidFill>
+                  <a:srgbClr val="FF0000"/>
+                </a:solidFill>
+                <a:effectLst>
+                  <a:outerShdw blurRad="50800" dist="38100" dir="2700000" algn="tl" rotWithShape="0">
+                    <a:prstClr val="black">
+                      <a:alpha val="40000"/>
+                    </a:prstClr>
+                  </a:outerShdw>
+                </a:effectLst>
+              </a:rPr>
+              <a:t>多い</a:t>
             </a:r>
             <a:r>
               <a:rPr lang="ja-JP" altLang="en-US" sz="1600" b="1" dirty="0" smtClean="0"/>
@@ -3895,7 +3928,7 @@
         </p:nvSpPr>
         <p:spPr>
           <a:xfrm>
-            <a:off x="-41070" y="4047490"/>
+            <a:off x="-41070" y="4072890"/>
             <a:ext cx="4695517" cy="461665"/>
           </a:xfrm>
           <a:prstGeom prst="rect">
@@ -4032,8 +4065,8 @@
         </p:blipFill>
         <p:spPr>
           <a:xfrm>
-            <a:off x="3688080" y="4509154"/>
-            <a:ext cx="3107290" cy="1576686"/>
+            <a:off x="3688080" y="4534554"/>
+            <a:ext cx="3057230" cy="1551285"/>
           </a:xfrm>
           <a:prstGeom prst="rect">
             <a:avLst/>
@@ -4333,10 +4366,11 @@
           <a:prstGeom prst="line">
             <a:avLst/>
           </a:prstGeom>
-          <a:ln>
+          <a:ln w="19050">
             <a:solidFill>
               <a:schemeClr val="tx1"/>
             </a:solidFill>
+            <a:prstDash val="sysDash"/>
           </a:ln>
         </p:spPr>
         <p:style>
@@ -4368,10 +4402,11 @@
           <a:prstGeom prst="line">
             <a:avLst/>
           </a:prstGeom>
-          <a:ln>
+          <a:ln w="19050">
             <a:solidFill>
               <a:schemeClr val="tx1"/>
             </a:solidFill>
+            <a:prstDash val="sysDash"/>
           </a:ln>
         </p:spPr>
         <p:style>
@@ -4425,6 +4460,81 @@
           </a:effectLst>
         </p:spPr>
       </p:pic>
+      <p:grpSp>
+        <p:nvGrpSpPr>
+          <p:cNvPr id="14" name="グループ化 13"/>
+          <p:cNvGrpSpPr/>
+          <p:nvPr/>
+        </p:nvGrpSpPr>
+        <p:grpSpPr>
+          <a:xfrm>
+            <a:off x="5053585" y="1488969"/>
+            <a:ext cx="1360082" cy="568178"/>
+            <a:chOff x="5241725" y="1656286"/>
+            <a:chExt cx="1200135" cy="407011"/>
+          </a:xfrm>
+        </p:grpSpPr>
+        <p:pic>
+          <p:nvPicPr>
+            <p:cNvPr id="5" name="図 4"/>
+            <p:cNvPicPr>
+              <a:picLocks noChangeAspect="1"/>
+            </p:cNvPicPr>
+            <p:nvPr/>
+          </p:nvPicPr>
+          <p:blipFill>
+            <a:blip r:embed="rId5" cstate="print">
+              <a:extLst>
+                <a:ext uri="{28A0092B-C50C-407E-A947-70E740481C1C}">
+                  <a14:useLocalDpi xmlns:a14="http://schemas.microsoft.com/office/drawing/2010/main" val="0"/>
+                </a:ext>
+              </a:extLst>
+            </a:blip>
+            <a:stretch>
+              <a:fillRect/>
+            </a:stretch>
+          </p:blipFill>
+          <p:spPr>
+            <a:xfrm>
+              <a:off x="5476240" y="1761250"/>
+              <a:ext cx="965620" cy="302047"/>
+            </a:xfrm>
+            <a:prstGeom prst="rect">
+              <a:avLst/>
+            </a:prstGeom>
+          </p:spPr>
+        </p:pic>
+        <p:pic>
+          <p:nvPicPr>
+            <p:cNvPr id="9" name="図 8"/>
+            <p:cNvPicPr>
+              <a:picLocks noChangeAspect="1"/>
+            </p:cNvPicPr>
+            <p:nvPr/>
+          </p:nvPicPr>
+          <p:blipFill>
+            <a:blip r:embed="rId6" cstate="print">
+              <a:extLst>
+                <a:ext uri="{28A0092B-C50C-407E-A947-70E740481C1C}">
+                  <a14:useLocalDpi xmlns:a14="http://schemas.microsoft.com/office/drawing/2010/main" val="0"/>
+                </a:ext>
+              </a:extLst>
+            </a:blip>
+            <a:stretch>
+              <a:fillRect/>
+            </a:stretch>
+          </p:blipFill>
+          <p:spPr>
+            <a:xfrm>
+              <a:off x="5241725" y="1656286"/>
+              <a:ext cx="596905" cy="242971"/>
+            </a:xfrm>
+            <a:prstGeom prst="rect">
+              <a:avLst/>
+            </a:prstGeom>
+          </p:spPr>
+        </p:pic>
+      </p:grpSp>
     </p:spTree>
     <p:extLst>
       <p:ext uri="{BB962C8B-B14F-4D97-AF65-F5344CB8AC3E}">
@@ -4483,8 +4593,8 @@
         </p:blipFill>
         <p:spPr>
           <a:xfrm>
-            <a:off x="780787" y="1998982"/>
-            <a:ext cx="1691014" cy="1767840"/>
+            <a:off x="638547" y="1904080"/>
+            <a:ext cx="1647453" cy="1722300"/>
           </a:xfrm>
           <a:prstGeom prst="rect">
             <a:avLst/>
@@ -4506,16 +4616,14 @@
         </p:nvSpPr>
         <p:spPr>
           <a:xfrm>
-            <a:off x="0" y="60726"/>
-            <a:ext cx="6838292" cy="492443"/>
+            <a:off x="0" y="-1904"/>
+            <a:ext cx="6858000" cy="492443"/>
           </a:xfrm>
           <a:prstGeom prst="rect">
             <a:avLst/>
           </a:prstGeom>
           <a:solidFill>
-            <a:schemeClr val="bg1">
-              <a:lumMod val="85000"/>
-            </a:schemeClr>
+            <a:schemeClr val="accent4"/>
           </a:solidFill>
         </p:spPr>
         <p:txBody>
@@ -4540,16 +4648,14 @@
         </p:nvSpPr>
         <p:spPr>
           <a:xfrm>
-            <a:off x="-33404" y="3875864"/>
-            <a:ext cx="6891404" cy="492443"/>
+            <a:off x="-9854" y="3860624"/>
+            <a:ext cx="6867854" cy="492443"/>
           </a:xfrm>
           <a:prstGeom prst="rect">
             <a:avLst/>
           </a:prstGeom>
           <a:solidFill>
-            <a:schemeClr val="bg1">
-              <a:lumMod val="85000"/>
-            </a:schemeClr>
+            <a:schemeClr val="accent4"/>
           </a:solidFill>
         </p:spPr>
         <p:txBody>
@@ -4574,13 +4680,18 @@
         </p:nvSpPr>
         <p:spPr>
           <a:xfrm>
-            <a:off x="-19708" y="588382"/>
+            <a:off x="-1420" y="484750"/>
             <a:ext cx="6858000" cy="1354217"/>
           </a:xfrm>
           <a:prstGeom prst="rect">
             <a:avLst/>
           </a:prstGeom>
-          <a:noFill/>
+          <a:solidFill>
+            <a:schemeClr val="accent3">
+              <a:lumMod val="20000"/>
+              <a:lumOff val="80000"/>
+            </a:schemeClr>
+          </a:solidFill>
           <a:ln>
             <a:solidFill>
               <a:schemeClr val="tx1"/>
@@ -4595,14 +4706,12 @@
           <a:p>
             <a:r>
               <a:rPr lang="ja-JP" altLang="en-US" sz="1600" b="1" dirty="0" smtClean="0">
-                <a:latin typeface="+mj-ea"/>
-                <a:ea typeface="+mj-ea"/>
+                <a:latin typeface="+mn-ea"/>
               </a:rPr>
               <a:t>キャラクターに挙動を追加したいと思った場合</a:t>
             </a:r>
             <a:endParaRPr lang="en-US" altLang="ja-JP" sz="1600" b="1" dirty="0" smtClean="0">
-              <a:latin typeface="+mj-ea"/>
-              <a:ea typeface="+mj-ea"/>
+              <a:latin typeface="+mn-ea"/>
             </a:endParaRPr>
           </a:p>
           <a:p>
@@ -4618,8 +4727,7 @@
                     </a:prstClr>
                   </a:outerShdw>
                 </a:effectLst>
-                <a:latin typeface="+mj-ea"/>
-                <a:ea typeface="+mj-ea"/>
+                <a:latin typeface="+mn-ea"/>
               </a:rPr>
               <a:t>今</a:t>
             </a:r>
@@ -4635,10 +4743,41 @@
                     </a:prstClr>
                   </a:outerShdw>
                 </a:effectLst>
-                <a:latin typeface="+mj-ea"/>
-                <a:ea typeface="+mj-ea"/>
+                <a:latin typeface="+mn-ea"/>
               </a:rPr>
-              <a:t>のコードにそのまま書くと、ビルドは遅くなるわコードは汚くなるわで</a:t>
+              <a:t>のコード</a:t>
+            </a:r>
+            <a:r>
+              <a:rPr lang="ja-JP" altLang="en-US" sz="1600" b="1" dirty="0" smtClean="0">
+                <a:solidFill>
+                  <a:srgbClr val="FF0000"/>
+                </a:solidFill>
+                <a:effectLst>
+                  <a:outerShdw blurRad="50800" dist="38100" dir="2700000" algn="tl" rotWithShape="0">
+                    <a:prstClr val="black">
+                      <a:alpha val="40000"/>
+                    </a:prstClr>
+                  </a:outerShdw>
+                </a:effectLst>
+                <a:latin typeface="+mn-ea"/>
+              </a:rPr>
+              <a:t>に直書きすると</a:t>
+            </a:r>
+            <a:r>
+              <a:rPr lang="ja-JP" altLang="en-US" sz="1600" b="1" dirty="0" smtClean="0">
+                <a:solidFill>
+                  <a:srgbClr val="FF0000"/>
+                </a:solidFill>
+                <a:effectLst>
+                  <a:outerShdw blurRad="50800" dist="38100" dir="2700000" algn="tl" rotWithShape="0">
+                    <a:prstClr val="black">
+                      <a:alpha val="40000"/>
+                    </a:prstClr>
+                  </a:outerShdw>
+                </a:effectLst>
+                <a:latin typeface="+mn-ea"/>
+              </a:rPr>
+              <a:t>、ビルドは遅くなるわコードは汚くなるわで</a:t>
             </a:r>
             <a:endParaRPr lang="en-US" altLang="ja-JP" sz="1600" b="1" dirty="0" smtClean="0">
               <a:solidFill>
@@ -4651,8 +4790,7 @@
                   </a:prstClr>
                 </a:outerShdw>
               </a:effectLst>
-              <a:latin typeface="+mj-ea"/>
-              <a:ea typeface="+mj-ea"/>
+              <a:latin typeface="+mn-ea"/>
             </a:endParaRPr>
           </a:p>
           <a:p>
@@ -4668,34 +4806,41 @@
                     </a:prstClr>
                   </a:outerShdw>
                 </a:effectLst>
-                <a:latin typeface="+mj-ea"/>
-                <a:ea typeface="+mj-ea"/>
+                <a:latin typeface="+mn-ea"/>
               </a:rPr>
               <a:t>良いことがあまりない</a:t>
             </a:r>
             <a:r>
               <a:rPr lang="ja-JP" altLang="en-US" sz="1600" b="1" dirty="0" smtClean="0">
-                <a:latin typeface="+mj-ea"/>
-                <a:ea typeface="+mj-ea"/>
+                <a:latin typeface="+mn-ea"/>
               </a:rPr>
               <a:t>。そこであらかじめキャラクターが動かせる</a:t>
             </a:r>
             <a:endParaRPr lang="en-US" altLang="ja-JP" sz="1600" b="1" dirty="0" smtClean="0">
-              <a:latin typeface="+mj-ea"/>
-              <a:ea typeface="+mj-ea"/>
+              <a:latin typeface="+mn-ea"/>
             </a:endParaRPr>
           </a:p>
           <a:p>
             <a:r>
               <a:rPr lang="ja-JP" altLang="en-US" sz="1600" b="1" dirty="0" smtClean="0">
-                <a:latin typeface="+mj-ea"/>
-                <a:ea typeface="+mj-ea"/>
+                <a:latin typeface="+mn-ea"/>
               </a:rPr>
-              <a:t>簡略化した環境を別に用意しておくことで、そこのコードで検証を終えた</a:t>
+              <a:t>簡略化した環境を別に用意しておくことで、</a:t>
+            </a:r>
+            <a:r>
+              <a:rPr lang="ja-JP" altLang="en-US" sz="1600" b="1" dirty="0" smtClean="0">
+                <a:latin typeface="+mn-ea"/>
+              </a:rPr>
+              <a:t>そこで</a:t>
+            </a:r>
+            <a:r>
+              <a:rPr lang="ja-JP" altLang="en-US" sz="1600" b="1" dirty="0" smtClean="0">
+                <a:latin typeface="+mn-ea"/>
+              </a:rPr>
+              <a:t>検証を終えた</a:t>
             </a:r>
             <a:endParaRPr lang="en-US" altLang="ja-JP" sz="1600" b="1" dirty="0" smtClean="0">
-              <a:latin typeface="+mj-ea"/>
-              <a:ea typeface="+mj-ea"/>
+              <a:latin typeface="+mn-ea"/>
             </a:endParaRPr>
           </a:p>
           <a:p>
@@ -4711,21 +4856,18 @@
                     </a:prstClr>
                   </a:outerShdw>
                 </a:effectLst>
-                <a:latin typeface="+mj-ea"/>
-                <a:ea typeface="+mj-ea"/>
+                <a:latin typeface="+mn-ea"/>
               </a:rPr>
               <a:t>洗練されたコードを本番の環境に持ってくることができる</a:t>
             </a:r>
             <a:r>
               <a:rPr lang="ja-JP" altLang="en-US" sz="1600" b="1" dirty="0" smtClean="0">
-                <a:latin typeface="+mj-ea"/>
-                <a:ea typeface="+mj-ea"/>
+                <a:latin typeface="+mn-ea"/>
               </a:rPr>
               <a:t>。</a:t>
             </a:r>
             <a:endParaRPr lang="en-US" altLang="ja-JP" sz="1600" b="1" dirty="0" smtClean="0">
-              <a:latin typeface="+mj-ea"/>
-              <a:ea typeface="+mj-ea"/>
+              <a:latin typeface="+mn-ea"/>
             </a:endParaRPr>
           </a:p>
         </p:txBody>
@@ -4738,7 +4880,7 @@
         </p:nvSpPr>
         <p:spPr>
           <a:xfrm>
-            <a:off x="2647166" y="2247127"/>
+            <a:off x="2626846" y="2153440"/>
             <a:ext cx="4004155" cy="1323439"/>
           </a:xfrm>
           <a:prstGeom prst="rect">
@@ -4754,108 +4896,92 @@
           <a:p>
             <a:r>
               <a:rPr lang="ja-JP" altLang="en-US" sz="1600" b="1" dirty="0" smtClean="0">
-                <a:latin typeface="+mj-ea"/>
-                <a:ea typeface="+mj-ea"/>
+                <a:latin typeface="+mn-ea"/>
               </a:rPr>
               <a:t>←テスト環境上でのプレイヤー</a:t>
             </a:r>
             <a:endParaRPr lang="en-US" altLang="ja-JP" sz="1600" b="1" dirty="0" smtClean="0">
-              <a:latin typeface="+mj-ea"/>
-              <a:ea typeface="+mj-ea"/>
+              <a:latin typeface="+mn-ea"/>
             </a:endParaRPr>
           </a:p>
           <a:p>
             <a:r>
               <a:rPr lang="ja-JP" altLang="en-US" sz="1600" b="1" dirty="0">
-                <a:latin typeface="+mj-ea"/>
-                <a:ea typeface="+mj-ea"/>
+                <a:latin typeface="+mn-ea"/>
               </a:rPr>
               <a:t>　</a:t>
             </a:r>
             <a:r>
               <a:rPr lang="ja-JP" altLang="en-US" sz="1600" b="1" dirty="0" smtClean="0">
-                <a:latin typeface="+mj-ea"/>
-                <a:ea typeface="+mj-ea"/>
+                <a:latin typeface="+mn-ea"/>
               </a:rPr>
               <a:t>メタセコイヤで</a:t>
             </a:r>
             <a:r>
               <a:rPr lang="en-US" altLang="ja-JP" sz="1600" b="1" dirty="0" smtClean="0">
-                <a:latin typeface="+mj-ea"/>
-                <a:ea typeface="+mj-ea"/>
+                <a:latin typeface="+mn-ea"/>
               </a:rPr>
               <a:t>1</a:t>
             </a:r>
             <a:r>
               <a:rPr lang="ja-JP" altLang="en-US" sz="1600" b="1" dirty="0" smtClean="0">
-                <a:latin typeface="+mj-ea"/>
-                <a:ea typeface="+mj-ea"/>
+                <a:latin typeface="+mn-ea"/>
               </a:rPr>
               <a:t>分くらいで作成</a:t>
             </a:r>
             <a:endParaRPr lang="en-US" altLang="ja-JP" sz="1600" b="1" dirty="0" smtClean="0">
-              <a:latin typeface="+mj-ea"/>
-              <a:ea typeface="+mj-ea"/>
+              <a:latin typeface="+mn-ea"/>
             </a:endParaRPr>
           </a:p>
           <a:p>
             <a:r>
               <a:rPr lang="ja-JP" altLang="en-US" sz="1600" b="1" dirty="0">
-                <a:latin typeface="+mj-ea"/>
-                <a:ea typeface="+mj-ea"/>
+                <a:latin typeface="+mn-ea"/>
               </a:rPr>
               <a:t>　</a:t>
             </a:r>
             <a:r>
               <a:rPr lang="ja-JP" altLang="en-US" sz="1600" b="1" dirty="0" smtClean="0">
-                <a:latin typeface="+mj-ea"/>
-                <a:ea typeface="+mj-ea"/>
+                <a:latin typeface="+mn-ea"/>
               </a:rPr>
               <a:t>テスト環境ではこの</a:t>
             </a:r>
             <a:endParaRPr lang="en-US" altLang="ja-JP" sz="1600" b="1" dirty="0" smtClean="0">
-              <a:latin typeface="+mj-ea"/>
-              <a:ea typeface="+mj-ea"/>
+              <a:latin typeface="+mn-ea"/>
             </a:endParaRPr>
           </a:p>
           <a:p>
             <a:r>
               <a:rPr lang="ja-JP" altLang="en-US" sz="1600" b="1" dirty="0">
-                <a:latin typeface="+mj-ea"/>
-                <a:ea typeface="+mj-ea"/>
+                <a:latin typeface="+mn-ea"/>
               </a:rPr>
               <a:t>　</a:t>
             </a:r>
             <a:r>
               <a:rPr lang="ja-JP" altLang="en-US" sz="1600" b="1" dirty="0" smtClean="0">
-                <a:latin typeface="+mj-ea"/>
-                <a:ea typeface="+mj-ea"/>
+                <a:latin typeface="+mn-ea"/>
               </a:rPr>
               <a:t>クオリティでも十分なので</a:t>
             </a:r>
             <a:endParaRPr lang="en-US" altLang="ja-JP" sz="1600" b="1" dirty="0" smtClean="0">
-              <a:latin typeface="+mj-ea"/>
-              <a:ea typeface="+mj-ea"/>
+              <a:latin typeface="+mn-ea"/>
             </a:endParaRPr>
           </a:p>
           <a:p>
             <a:r>
               <a:rPr lang="ja-JP" altLang="en-US" sz="1600" b="1" dirty="0">
-                <a:latin typeface="+mj-ea"/>
-                <a:ea typeface="+mj-ea"/>
+                <a:latin typeface="+mn-ea"/>
               </a:rPr>
               <a:t>　</a:t>
             </a:r>
             <a:r>
               <a:rPr lang="ja-JP" altLang="en-US" sz="1600" b="1" dirty="0" smtClean="0">
-                <a:latin typeface="+mj-ea"/>
-                <a:ea typeface="+mj-ea"/>
+                <a:latin typeface="+mn-ea"/>
               </a:rPr>
               <a:t>用途に合わせて作っていこう。</a:t>
             </a:r>
             <a:endParaRPr lang="en-US" altLang="ja-JP" sz="1600" b="1" dirty="0" smtClean="0">
-              <a:latin typeface="+mj-ea"/>
-              <a:ea typeface="+mj-ea"/>
+              <a:latin typeface="+mn-ea"/>
             </a:endParaRPr>
           </a:p>
         </p:txBody>
@@ -4868,16 +4994,17 @@
         </p:nvCxnSpPr>
         <p:spPr>
           <a:xfrm>
-            <a:off x="-460262" y="3816405"/>
+            <a:off x="-460262" y="3760873"/>
             <a:ext cx="7782560" cy="0"/>
           </a:xfrm>
           <a:prstGeom prst="line">
             <a:avLst/>
           </a:prstGeom>
-          <a:ln>
+          <a:ln w="19050">
             <a:solidFill>
               <a:schemeClr val="tx1"/>
             </a:solidFill>
+            <a:prstDash val="sysDash"/>
           </a:ln>
         </p:spPr>
         <p:style>
@@ -4903,13 +5030,18 @@
         </p:nvSpPr>
         <p:spPr>
           <a:xfrm>
-            <a:off x="-9854" y="4368307"/>
-            <a:ext cx="6858000" cy="1877437"/>
+            <a:off x="306" y="4347084"/>
+            <a:ext cx="6858000" cy="2015936"/>
           </a:xfrm>
           <a:prstGeom prst="rect">
             <a:avLst/>
           </a:prstGeom>
-          <a:noFill/>
+          <a:solidFill>
+            <a:schemeClr val="accent3">
+              <a:lumMod val="20000"/>
+              <a:lumOff val="80000"/>
+            </a:schemeClr>
+          </a:solidFill>
           <a:ln>
             <a:solidFill>
               <a:schemeClr val="tx1"/>
@@ -4917,21 +5049,19 @@
           </a:ln>
         </p:spPr>
         <p:txBody>
-          <a:bodyPr wrap="square" rtlCol="0">
+          <a:bodyPr wrap="square" rtlCol="0" anchor="ctr">
             <a:spAutoFit/>
           </a:bodyPr>
           <a:lstStyle/>
           <a:p>
             <a:r>
               <a:rPr lang="ja-JP" altLang="en-US" sz="1600" b="1" dirty="0" smtClean="0">
-                <a:latin typeface="+mj-ea"/>
-                <a:ea typeface="+mj-ea"/>
+                <a:latin typeface="+mn-ea"/>
               </a:rPr>
               <a:t>挙動の表現に複雑な計算が必要な場合、</a:t>
             </a:r>
             <a:endParaRPr lang="en-US" altLang="ja-JP" sz="1600" b="1" dirty="0" smtClean="0">
-              <a:latin typeface="+mj-ea"/>
-              <a:ea typeface="+mj-ea"/>
+              <a:latin typeface="+mn-ea"/>
             </a:endParaRPr>
           </a:p>
           <a:p>
@@ -4947,8 +5077,7 @@
                     </a:prstClr>
                   </a:outerShdw>
                 </a:effectLst>
-                <a:latin typeface="+mj-ea"/>
-                <a:ea typeface="+mj-ea"/>
+                <a:latin typeface="+mn-ea"/>
               </a:rPr>
               <a:t>なるべく簡単な計算で似た表現ができないかや、</a:t>
             </a:r>
@@ -4963,8 +5092,7 @@
                   </a:prstClr>
                 </a:outerShdw>
               </a:effectLst>
-              <a:latin typeface="+mj-ea"/>
-              <a:ea typeface="+mj-ea"/>
+              <a:latin typeface="+mn-ea"/>
             </a:endParaRPr>
           </a:p>
           <a:p>
@@ -4980,66 +5108,68 @@
                     </a:prstClr>
                   </a:outerShdw>
                 </a:effectLst>
-                <a:latin typeface="+mj-ea"/>
-                <a:ea typeface="+mj-ea"/>
+                <a:latin typeface="+mn-ea"/>
               </a:rPr>
               <a:t>もっと簡単な表現で十分でないかと考えるといい</a:t>
             </a:r>
             <a:r>
               <a:rPr lang="ja-JP" altLang="en-US" sz="1600" b="1" dirty="0" smtClean="0">
-                <a:latin typeface="+mj-ea"/>
-                <a:ea typeface="+mj-ea"/>
+                <a:latin typeface="+mn-ea"/>
               </a:rPr>
               <a:t>。</a:t>
             </a:r>
             <a:endParaRPr lang="en-US" altLang="ja-JP" sz="1600" b="1" dirty="0" smtClean="0">
-              <a:latin typeface="+mj-ea"/>
-              <a:ea typeface="+mj-ea"/>
+              <a:latin typeface="+mn-ea"/>
             </a:endParaRPr>
           </a:p>
           <a:p>
             <a:r>
               <a:rPr lang="ja-JP" altLang="en-US" sz="1600" b="1" dirty="0" smtClean="0">
-                <a:latin typeface="+mj-ea"/>
-                <a:ea typeface="+mj-ea"/>
+                <a:latin typeface="+mn-ea"/>
               </a:rPr>
-              <a:t>複雑な計算は多用すると処理負荷がかかるし可読性も下がる。</a:t>
+              <a:t>複雑な計算は多用すると処理負荷がかかるし可読性も下がる</a:t>
+            </a:r>
+            <a:r>
+              <a:rPr lang="ja-JP" altLang="en-US" sz="1600" b="1" dirty="0" smtClean="0">
+                <a:latin typeface="+mn-ea"/>
+              </a:rPr>
+              <a:t>。</a:t>
             </a:r>
             <a:endParaRPr lang="en-US" altLang="ja-JP" sz="1600" b="1" dirty="0" smtClean="0">
-              <a:latin typeface="+mj-ea"/>
-              <a:ea typeface="+mj-ea"/>
+              <a:latin typeface="+mn-ea"/>
             </a:endParaRPr>
           </a:p>
           <a:p>
+            <a:endParaRPr lang="en-US" altLang="ja-JP" sz="400" b="1" dirty="0" smtClean="0">
+              <a:latin typeface="+mn-ea"/>
+            </a:endParaRPr>
+          </a:p>
+          <a:p>
             <a:r>
               <a:rPr lang="ja-JP" altLang="en-US" sz="1600" b="1" dirty="0" smtClean="0">
-                <a:latin typeface="+mj-ea"/>
-                <a:ea typeface="+mj-ea"/>
+                <a:latin typeface="+mn-ea"/>
               </a:rPr>
               <a:t>それに一つの表現に時間をかけす</a:t>
             </a:r>
             <a:r>
               <a:rPr lang="ja-JP" altLang="en-US" sz="1600" b="1" dirty="0">
-                <a:latin typeface="+mj-ea"/>
-                <a:ea typeface="+mj-ea"/>
+                <a:latin typeface="+mn-ea"/>
               </a:rPr>
               <a:t>ぎ</a:t>
             </a:r>
             <a:r>
               <a:rPr lang="ja-JP" altLang="en-US" sz="1600" b="1" dirty="0" smtClean="0">
-                <a:latin typeface="+mj-ea"/>
-                <a:ea typeface="+mj-ea"/>
+                <a:latin typeface="+mn-ea"/>
               </a:rPr>
               <a:t>るとその他の部分が疎かになる。</a:t>
             </a:r>
             <a:endParaRPr lang="en-US" altLang="ja-JP" sz="1600" b="1" dirty="0" smtClean="0">
-              <a:latin typeface="+mj-ea"/>
-              <a:ea typeface="+mj-ea"/>
+              <a:latin typeface="+mn-ea"/>
             </a:endParaRPr>
           </a:p>
           <a:p>
             <a:r>
-              <a:rPr lang="ja-JP" altLang="en-US" b="1" dirty="0" smtClean="0">
+              <a:rPr lang="ja-JP" altLang="en-US" sz="2000" b="1" dirty="0" smtClean="0">
                 <a:solidFill>
                   <a:srgbClr val="FF0000"/>
                 </a:solidFill>
@@ -5050,12 +5180,43 @@
                     </a:prstClr>
                   </a:outerShdw>
                 </a:effectLst>
-                <a:latin typeface="+mj-ea"/>
-                <a:ea typeface="+mj-ea"/>
+                <a:latin typeface="+mn-ea"/>
               </a:rPr>
-              <a:t>このような妥協は決して手抜きとは言わないので</a:t>
-            </a:r>
-            <a:endParaRPr lang="en-US" altLang="ja-JP" b="1" dirty="0" smtClean="0">
+              <a:t>このよう</a:t>
+            </a:r>
+            <a:r>
+              <a:rPr lang="ja-JP" altLang="en-US" sz="2000" b="1" dirty="0" smtClean="0">
+                <a:solidFill>
+                  <a:srgbClr val="FF0000"/>
+                </a:solidFill>
+                <a:effectLst>
+                  <a:outerShdw blurRad="50800" dist="38100" dir="2700000" algn="tl" rotWithShape="0">
+                    <a:prstClr val="black">
+                      <a:alpha val="40000"/>
+                    </a:prstClr>
+                  </a:outerShdw>
+                </a:effectLst>
+                <a:latin typeface="+mn-ea"/>
+              </a:rPr>
+              <a:t>な妥協は</a:t>
+            </a:r>
+            <a:r>
+              <a:rPr lang="ja-JP" altLang="en-US" sz="2000" b="1" dirty="0" smtClean="0">
+                <a:solidFill>
+                  <a:srgbClr val="FF0000"/>
+                </a:solidFill>
+                <a:effectLst>
+                  <a:outerShdw blurRad="50800" dist="38100" dir="2700000" algn="tl" rotWithShape="0">
+                    <a:prstClr val="black">
+                      <a:alpha val="40000"/>
+                    </a:prstClr>
+                  </a:outerShdw>
+                </a:effectLst>
+                <a:latin typeface="+mn-ea"/>
+              </a:rPr>
+              <a:t>決して手抜きとは言わないので</a:t>
+            </a:r>
+            <a:endParaRPr lang="en-US" altLang="ja-JP" sz="2000" b="1" dirty="0" smtClean="0">
               <a:solidFill>
                 <a:srgbClr val="FF0000"/>
               </a:solidFill>
@@ -5066,13 +5227,12 @@
                   </a:prstClr>
                 </a:outerShdw>
               </a:effectLst>
-              <a:latin typeface="+mj-ea"/>
-              <a:ea typeface="+mj-ea"/>
+              <a:latin typeface="+mn-ea"/>
             </a:endParaRPr>
           </a:p>
           <a:p>
             <a:r>
-              <a:rPr lang="ja-JP" altLang="en-US" b="1" dirty="0" smtClean="0">
+              <a:rPr lang="ja-JP" altLang="en-US" sz="2000" b="1" dirty="0" smtClean="0">
                 <a:solidFill>
                   <a:srgbClr val="FF0000"/>
                 </a:solidFill>
@@ -5083,21 +5243,50 @@
                     </a:prstClr>
                   </a:outerShdw>
                 </a:effectLst>
-                <a:latin typeface="+mj-ea"/>
-                <a:ea typeface="+mj-ea"/>
+                <a:latin typeface="+mn-ea"/>
               </a:rPr>
-              <a:t>上手く妥協点を見つけて面白いゲームを作ろう</a:t>
+              <a:t>上手く</a:t>
+            </a:r>
+            <a:r>
+              <a:rPr lang="ja-JP" altLang="en-US" sz="2000" b="1" dirty="0" smtClean="0">
+                <a:solidFill>
+                  <a:srgbClr val="FF0000"/>
+                </a:solidFill>
+                <a:effectLst>
+                  <a:outerShdw blurRad="50800" dist="38100" dir="2700000" algn="tl" rotWithShape="0">
+                    <a:prstClr val="black">
+                      <a:alpha val="40000"/>
+                    </a:prstClr>
+                  </a:outerShdw>
+                </a:effectLst>
+                <a:latin typeface="+mn-ea"/>
+              </a:rPr>
+              <a:t>妥協点を</a:t>
+            </a:r>
+            <a:r>
+              <a:rPr lang="ja-JP" altLang="en-US" sz="2000" b="1" dirty="0" smtClean="0">
+                <a:solidFill>
+                  <a:srgbClr val="FF0000"/>
+                </a:solidFill>
+                <a:effectLst>
+                  <a:outerShdw blurRad="50800" dist="38100" dir="2700000" algn="tl" rotWithShape="0">
+                    <a:prstClr val="black">
+                      <a:alpha val="40000"/>
+                    </a:prstClr>
+                  </a:outerShdw>
+                </a:effectLst>
+                <a:latin typeface="+mn-ea"/>
+              </a:rPr>
+              <a:t>見つけて面白いゲームを作ろう</a:t>
             </a:r>
             <a:r>
               <a:rPr lang="ja-JP" altLang="en-US" sz="1600" b="1" dirty="0" smtClean="0">
-                <a:latin typeface="+mj-ea"/>
-                <a:ea typeface="+mj-ea"/>
+                <a:latin typeface="+mn-ea"/>
               </a:rPr>
               <a:t>。</a:t>
             </a:r>
             <a:endParaRPr lang="en-US" altLang="ja-JP" sz="1600" b="1" dirty="0" smtClean="0">
-              <a:latin typeface="+mj-ea"/>
-              <a:ea typeface="+mj-ea"/>
+              <a:latin typeface="+mn-ea"/>
             </a:endParaRPr>
           </a:p>
         </p:txBody>
@@ -5123,8 +5312,8 @@
         </p:blipFill>
         <p:spPr>
           <a:xfrm>
-            <a:off x="3409292" y="6302249"/>
-            <a:ext cx="3423642" cy="2072204"/>
+            <a:off x="3536614" y="6470774"/>
+            <a:ext cx="3229140" cy="1954479"/>
           </a:xfrm>
           <a:prstGeom prst="rect">
             <a:avLst/>
@@ -5138,136 +5327,6 @@
           </a:effectLst>
         </p:spPr>
       </p:pic>
-      <p:sp>
-        <p:nvSpPr>
-          <p:cNvPr id="24" name="テキスト ボックス 23"/>
-          <p:cNvSpPr txBox="1"/>
-          <p:nvPr/>
-        </p:nvSpPr>
-        <p:spPr>
-          <a:xfrm>
-            <a:off x="56364" y="6674819"/>
-            <a:ext cx="3237981" cy="1323439"/>
-          </a:xfrm>
-          <a:prstGeom prst="rect">
-            <a:avLst/>
-          </a:prstGeom>
-          <a:noFill/>
-        </p:spPr>
-        <p:txBody>
-          <a:bodyPr wrap="square" rtlCol="0">
-            <a:spAutoFit/>
-          </a:bodyPr>
-          <a:lstStyle/>
-          <a:p>
-            <a:r>
-              <a:rPr lang="ja-JP" altLang="en-US" sz="1600" b="1" dirty="0" smtClean="0">
-                <a:latin typeface="+mj-ea"/>
-                <a:ea typeface="+mj-ea"/>
-              </a:rPr>
-              <a:t>例：熊の爆弾投擲の挙動</a:t>
-            </a:r>
-            <a:endParaRPr lang="en-US" altLang="ja-JP" sz="1600" b="1" dirty="0" smtClean="0">
-              <a:latin typeface="+mj-ea"/>
-              <a:ea typeface="+mj-ea"/>
-            </a:endParaRPr>
-          </a:p>
-          <a:p>
-            <a:r>
-              <a:rPr lang="en-US" altLang="ja-JP" sz="1600" b="1" dirty="0">
-                <a:latin typeface="+mj-ea"/>
-                <a:ea typeface="+mj-ea"/>
-              </a:rPr>
-              <a:t> </a:t>
-            </a:r>
-            <a:r>
-              <a:rPr lang="en-US" altLang="ja-JP" sz="1600" b="1" dirty="0" smtClean="0">
-                <a:latin typeface="+mj-ea"/>
-                <a:ea typeface="+mj-ea"/>
-              </a:rPr>
-              <a:t>      </a:t>
-            </a:r>
-            <a:r>
-              <a:rPr lang="ja-JP" altLang="en-US" sz="1600" b="1" dirty="0" smtClean="0">
-                <a:latin typeface="+mj-ea"/>
-                <a:ea typeface="+mj-ea"/>
-              </a:rPr>
-              <a:t>本来は斜方投射の計算式を</a:t>
-            </a:r>
-            <a:endParaRPr lang="en-US" altLang="ja-JP" sz="1600" b="1" dirty="0" smtClean="0">
-              <a:latin typeface="+mj-ea"/>
-              <a:ea typeface="+mj-ea"/>
-            </a:endParaRPr>
-          </a:p>
-          <a:p>
-            <a:r>
-              <a:rPr lang="ja-JP" altLang="en-US" sz="1600" b="1" dirty="0" smtClean="0">
-                <a:latin typeface="+mj-ea"/>
-                <a:ea typeface="+mj-ea"/>
-              </a:rPr>
-              <a:t>       使って</a:t>
-            </a:r>
-            <a:r>
-              <a:rPr lang="ja-JP" altLang="en-US" sz="1600" b="1" dirty="0">
-                <a:latin typeface="+mj-ea"/>
-                <a:ea typeface="+mj-ea"/>
-              </a:rPr>
-              <a:t>計算</a:t>
-            </a:r>
-            <a:r>
-              <a:rPr lang="ja-JP" altLang="en-US" sz="1600" b="1" dirty="0" smtClean="0">
-                <a:latin typeface="+mj-ea"/>
-                <a:ea typeface="+mj-ea"/>
-              </a:rPr>
-              <a:t>するところを</a:t>
-            </a:r>
-            <a:endParaRPr lang="en-US" altLang="ja-JP" sz="1600" b="1" dirty="0" smtClean="0">
-              <a:latin typeface="+mj-ea"/>
-              <a:ea typeface="+mj-ea"/>
-            </a:endParaRPr>
-          </a:p>
-          <a:p>
-            <a:r>
-              <a:rPr lang="en-US" altLang="ja-JP" sz="1600" b="1" dirty="0">
-                <a:latin typeface="+mj-ea"/>
-                <a:ea typeface="+mj-ea"/>
-              </a:rPr>
-              <a:t> </a:t>
-            </a:r>
-            <a:r>
-              <a:rPr lang="en-US" altLang="ja-JP" sz="1600" b="1" dirty="0" smtClean="0">
-                <a:latin typeface="+mj-ea"/>
-                <a:ea typeface="+mj-ea"/>
-              </a:rPr>
-              <a:t>      sin</a:t>
-            </a:r>
-            <a:r>
-              <a:rPr lang="ja-JP" altLang="en-US" sz="1600" b="1" dirty="0" smtClean="0">
-                <a:latin typeface="+mj-ea"/>
-                <a:ea typeface="+mj-ea"/>
-              </a:rPr>
-              <a:t>関数を使って操作する</a:t>
-            </a:r>
-            <a:endParaRPr lang="en-US" altLang="ja-JP" sz="1600" b="1" dirty="0" smtClean="0">
-              <a:latin typeface="+mj-ea"/>
-              <a:ea typeface="+mj-ea"/>
-            </a:endParaRPr>
-          </a:p>
-          <a:p>
-            <a:r>
-              <a:rPr lang="ja-JP" altLang="en-US" sz="1600" b="1" dirty="0" smtClean="0">
-                <a:latin typeface="+mj-ea"/>
-                <a:ea typeface="+mj-ea"/>
-              </a:rPr>
-              <a:t>       形に変更した。</a:t>
-            </a:r>
-            <a:endParaRPr lang="en-US" altLang="ja-JP" sz="1600" b="1" dirty="0" smtClean="0">
-              <a:latin typeface="+mj-ea"/>
-              <a:ea typeface="+mj-ea"/>
-            </a:endParaRPr>
-          </a:p>
-        </p:txBody>
-      </p:sp>
       <p:cxnSp>
         <p:nvCxnSpPr>
           <p:cNvPr id="25" name="直線コネクタ 24"/>
@@ -5276,16 +5335,17 @@
         </p:nvCxnSpPr>
         <p:spPr>
           <a:xfrm>
-            <a:off x="-481988" y="8428071"/>
+            <a:off x="-481988" y="8529671"/>
             <a:ext cx="7782560" cy="0"/>
           </a:xfrm>
           <a:prstGeom prst="line">
             <a:avLst/>
           </a:prstGeom>
-          <a:ln>
+          <a:ln w="19050">
             <a:solidFill>
               <a:schemeClr val="tx1"/>
             </a:solidFill>
+            <a:prstDash val="sysDash"/>
           </a:ln>
         </p:spPr>
         <p:style>
@@ -5324,8 +5384,8 @@
         </p:blipFill>
         <p:spPr>
           <a:xfrm>
-            <a:off x="5388125" y="8563207"/>
-            <a:ext cx="1129584" cy="1232246"/>
+            <a:off x="5428765" y="8646408"/>
+            <a:ext cx="1053315" cy="1149045"/>
           </a:xfrm>
           <a:prstGeom prst="rect">
             <a:avLst/>
@@ -5367,8 +5427,8 @@
         </p:nvSpPr>
         <p:spPr>
           <a:xfrm>
-            <a:off x="153590" y="8784301"/>
-            <a:ext cx="4636421" cy="1011152"/>
+            <a:off x="1704646" y="8784301"/>
+            <a:ext cx="3174571" cy="1011152"/>
           </a:xfrm>
           <a:prstGeom prst="wedgeRoundRectCallout">
             <a:avLst>
@@ -5397,16 +5457,330 @@
           <a:lstStyle/>
           <a:p>
             <a:r>
-              <a:rPr lang="ja-JP" altLang="en-US" sz="2800" b="1" dirty="0" smtClean="0"/>
+              <a:rPr lang="ja-JP" altLang="en-US" sz="2400" b="1" dirty="0" smtClean="0"/>
               <a:t>ルールを守って</a:t>
             </a:r>
-            <a:endParaRPr lang="en-US" altLang="ja-JP" sz="2800" b="1" dirty="0" smtClean="0"/>
-          </a:p>
-          <a:p>
-            <a:r>
-              <a:rPr lang="en-US" altLang="ja-JP" sz="2800" b="1" dirty="0" smtClean="0"/>
+            <a:endParaRPr lang="en-US" altLang="ja-JP" sz="2400" b="1" dirty="0" smtClean="0"/>
+          </a:p>
+          <a:p>
+            <a:r>
+              <a:rPr lang="en-US" altLang="ja-JP" sz="2400" b="1" dirty="0" smtClean="0"/>
               <a:t>Let’s Programming!!</a:t>
             </a:r>
+            <a:endParaRPr lang="en-US" altLang="ja-JP" sz="2400" b="1" dirty="0" smtClean="0"/>
+          </a:p>
+        </p:txBody>
+      </p:sp>
+      <p:pic>
+        <p:nvPicPr>
+          <p:cNvPr id="3" name="図 2"/>
+          <p:cNvPicPr>
+            <a:picLocks noChangeAspect="1"/>
+          </p:cNvPicPr>
+          <p:nvPr/>
+        </p:nvPicPr>
+        <p:blipFill>
+          <a:blip r:embed="rId5" cstate="print">
+            <a:extLst>
+              <a:ext uri="{28A0092B-C50C-407E-A947-70E740481C1C}">
+                <a14:useLocalDpi xmlns:a14="http://schemas.microsoft.com/office/drawing/2010/main" val="0"/>
+              </a:ext>
+            </a:extLst>
+          </a:blip>
+          <a:stretch>
+            <a:fillRect/>
+          </a:stretch>
+        </p:blipFill>
+        <p:spPr>
+          <a:xfrm>
+            <a:off x="59733" y="9121864"/>
+            <a:ext cx="1518842" cy="364106"/>
+          </a:xfrm>
+          <a:prstGeom prst="rect">
+            <a:avLst/>
+          </a:prstGeom>
+        </p:spPr>
+      </p:pic>
+      <p:grpSp>
+        <p:nvGrpSpPr>
+          <p:cNvPr id="6" name="グループ化 5"/>
+          <p:cNvGrpSpPr/>
+          <p:nvPr/>
+        </p:nvGrpSpPr>
+        <p:grpSpPr>
+          <a:xfrm>
+            <a:off x="0" y="6517074"/>
+            <a:ext cx="3409292" cy="1792799"/>
+            <a:chOff x="0" y="6470774"/>
+            <a:chExt cx="3409292" cy="1792799"/>
+          </a:xfrm>
+        </p:grpSpPr>
+        <p:sp>
+          <p:nvSpPr>
+            <p:cNvPr id="24" name="テキスト ボックス 23"/>
+            <p:cNvSpPr txBox="1"/>
+            <p:nvPr/>
+          </p:nvSpPr>
+          <p:spPr>
+            <a:xfrm>
+              <a:off x="0" y="6570802"/>
+              <a:ext cx="3409292" cy="1692771"/>
+            </a:xfrm>
+            <a:prstGeom prst="rect">
+              <a:avLst/>
+            </a:prstGeom>
+            <a:noFill/>
+          </p:spPr>
+          <p:txBody>
+            <a:bodyPr wrap="square" rtlCol="0">
+              <a:spAutoFit/>
+            </a:bodyPr>
+            <a:lstStyle/>
+            <a:p>
+              <a:r>
+                <a:rPr lang="ja-JP" altLang="en-US" sz="1600" b="1" dirty="0" smtClean="0">
+                  <a:latin typeface="+mn-ea"/>
+                </a:rPr>
+                <a:t>例：熊の爆弾投擲の</a:t>
+              </a:r>
+              <a:r>
+                <a:rPr lang="ja-JP" altLang="en-US" sz="1600" b="1" dirty="0" smtClean="0">
+                  <a:latin typeface="+mn-ea"/>
+                </a:rPr>
+                <a:t>挙動</a:t>
+              </a:r>
+              <a:r>
+                <a:rPr lang="en-US" altLang="ja-JP" sz="1600" b="1" dirty="0">
+                  <a:latin typeface="+mn-ea"/>
+                </a:rPr>
+                <a:t>	</a:t>
+              </a:r>
+              <a:r>
+                <a:rPr lang="ja-JP" altLang="en-US" sz="1600" b="1" dirty="0" smtClean="0">
+                  <a:latin typeface="+mn-ea"/>
+                </a:rPr>
+                <a:t>　→</a:t>
+              </a:r>
+              <a:endParaRPr lang="en-US" altLang="ja-JP" sz="1600" b="1" dirty="0" smtClean="0">
+                <a:latin typeface="+mn-ea"/>
+              </a:endParaRPr>
+            </a:p>
+            <a:p>
+              <a:endParaRPr lang="en-US" altLang="ja-JP" sz="500" b="1" dirty="0" smtClean="0">
+                <a:latin typeface="+mn-ea"/>
+              </a:endParaRPr>
+            </a:p>
+            <a:p>
+              <a:r>
+                <a:rPr lang="en-US" altLang="ja-JP" sz="1600" b="1" dirty="0">
+                  <a:latin typeface="+mn-ea"/>
+                </a:rPr>
+                <a:t> </a:t>
+              </a:r>
+              <a:r>
+                <a:rPr lang="en-US" altLang="ja-JP" sz="1600" b="1" dirty="0" smtClean="0">
+                  <a:latin typeface="+mn-ea"/>
+                </a:rPr>
+                <a:t>      </a:t>
+              </a:r>
+              <a:r>
+                <a:rPr lang="ja-JP" altLang="en-US" sz="1600" b="1" dirty="0" smtClean="0">
+                  <a:latin typeface="+mn-ea"/>
+                </a:rPr>
+                <a:t>本来は斜方投射の計算式を</a:t>
+              </a:r>
+              <a:endParaRPr lang="en-US" altLang="ja-JP" sz="1600" b="1" dirty="0" smtClean="0">
+                <a:latin typeface="+mn-ea"/>
+              </a:endParaRPr>
+            </a:p>
+            <a:p>
+              <a:r>
+                <a:rPr lang="ja-JP" altLang="en-US" sz="1600" b="1" dirty="0" smtClean="0">
+                  <a:latin typeface="+mn-ea"/>
+                </a:rPr>
+                <a:t>       </a:t>
+              </a:r>
+              <a:r>
+                <a:rPr lang="ja-JP" altLang="en-US" sz="1600" b="1" dirty="0" smtClean="0">
+                  <a:latin typeface="+mn-ea"/>
+                </a:rPr>
+                <a:t>使って複雑な計算を</a:t>
+              </a:r>
+              <a:endParaRPr lang="en-US" altLang="ja-JP" sz="1600" b="1" dirty="0" smtClean="0">
+                <a:latin typeface="+mn-ea"/>
+              </a:endParaRPr>
+            </a:p>
+            <a:p>
+              <a:r>
+                <a:rPr lang="ja-JP" altLang="en-US" sz="1600" b="1" dirty="0" smtClean="0">
+                  <a:latin typeface="+mn-ea"/>
+                </a:rPr>
+                <a:t>　　する</a:t>
+              </a:r>
+              <a:r>
+                <a:rPr lang="ja-JP" altLang="en-US" sz="1600" b="1" dirty="0" smtClean="0">
+                  <a:latin typeface="+mn-ea"/>
+                </a:rPr>
+                <a:t>ところ</a:t>
+              </a:r>
+              <a:r>
+                <a:rPr lang="ja-JP" altLang="en-US" sz="1600" b="1" dirty="0" smtClean="0">
+                  <a:latin typeface="+mn-ea"/>
+                </a:rPr>
+                <a:t>を、検討の結果</a:t>
+              </a:r>
+              <a:endParaRPr lang="en-US" altLang="ja-JP" sz="1600" b="1" dirty="0" smtClean="0">
+                <a:latin typeface="+mn-ea"/>
+              </a:endParaRPr>
+            </a:p>
+            <a:p>
+              <a:r>
+                <a:rPr lang="en-US" altLang="ja-JP" sz="1600" b="1" dirty="0">
+                  <a:latin typeface="+mn-ea"/>
+                </a:rPr>
+                <a:t> </a:t>
+              </a:r>
+              <a:r>
+                <a:rPr lang="en-US" altLang="ja-JP" sz="1600" b="1" dirty="0" smtClean="0">
+                  <a:latin typeface="+mn-ea"/>
+                </a:rPr>
+                <a:t>      sin</a:t>
+              </a:r>
+              <a:r>
+                <a:rPr lang="ja-JP" altLang="en-US" sz="1600" b="1" dirty="0" smtClean="0">
+                  <a:latin typeface="+mn-ea"/>
+                </a:rPr>
+                <a:t>関数を使って操作する</a:t>
+              </a:r>
+              <a:endParaRPr lang="en-US" altLang="ja-JP" sz="1600" b="1" dirty="0" smtClean="0">
+                <a:latin typeface="+mn-ea"/>
+              </a:endParaRPr>
+            </a:p>
+            <a:p>
+              <a:r>
+                <a:rPr lang="ja-JP" altLang="en-US" sz="1600" b="1" dirty="0" smtClean="0">
+                  <a:latin typeface="+mn-ea"/>
+                </a:rPr>
+                <a:t>       形に変更した。</a:t>
+              </a:r>
+              <a:endParaRPr lang="en-US" altLang="ja-JP" sz="1600" b="1" dirty="0" smtClean="0">
+                <a:latin typeface="+mn-ea"/>
+              </a:endParaRPr>
+            </a:p>
+          </p:txBody>
+        </p:sp>
+        <p:sp>
+          <p:nvSpPr>
+            <p:cNvPr id="5" name="テキスト ボックス 4"/>
+            <p:cNvSpPr txBox="1"/>
+            <p:nvPr/>
+          </p:nvSpPr>
+          <p:spPr>
+            <a:xfrm>
+              <a:off x="878840" y="6470774"/>
+              <a:ext cx="924560" cy="200055"/>
+            </a:xfrm>
+            <a:prstGeom prst="rect">
+              <a:avLst/>
+            </a:prstGeom>
+            <a:noFill/>
+          </p:spPr>
+          <p:txBody>
+            <a:bodyPr wrap="square" rtlCol="0">
+              <a:spAutoFit/>
+            </a:bodyPr>
+            <a:lstStyle/>
+            <a:p>
+              <a:r>
+                <a:rPr kumimoji="1" lang="ja-JP" altLang="en-US" sz="700" b="1" dirty="0" smtClean="0">
+                  <a:latin typeface="+mn-ea"/>
+                </a:rPr>
+                <a:t>ばく</a:t>
+              </a:r>
+              <a:r>
+                <a:rPr kumimoji="1" lang="ja-JP" altLang="en-US" sz="700" b="1" dirty="0" smtClean="0">
+                  <a:latin typeface="+mn-ea"/>
+                </a:rPr>
+                <a:t>だん</a:t>
+              </a:r>
+              <a:r>
+                <a:rPr kumimoji="1" lang="ja-JP" altLang="en-US" sz="700" b="1" dirty="0" smtClean="0">
+                  <a:latin typeface="+mn-ea"/>
+                </a:rPr>
+                <a:t>とうてき</a:t>
+              </a:r>
+              <a:endParaRPr kumimoji="1" lang="ja-JP" altLang="en-US" sz="700" b="1" dirty="0">
+                <a:latin typeface="+mn-ea"/>
+              </a:endParaRPr>
+            </a:p>
+          </p:txBody>
+        </p:sp>
+        <p:sp>
+          <p:nvSpPr>
+            <p:cNvPr id="17" name="テキスト ボックス 16"/>
+            <p:cNvSpPr txBox="1"/>
+            <p:nvPr/>
+          </p:nvSpPr>
+          <p:spPr>
+            <a:xfrm>
+              <a:off x="1087120" y="6804970"/>
+              <a:ext cx="924560" cy="200055"/>
+            </a:xfrm>
+            <a:prstGeom prst="rect">
+              <a:avLst/>
+            </a:prstGeom>
+            <a:noFill/>
+          </p:spPr>
+          <p:txBody>
+            <a:bodyPr wrap="square" rtlCol="0">
+              <a:spAutoFit/>
+            </a:bodyPr>
+            <a:lstStyle/>
+            <a:p>
+              <a:r>
+                <a:rPr kumimoji="1" lang="ja-JP" altLang="en-US" sz="700" b="1" dirty="0" smtClean="0">
+                  <a:latin typeface="+mn-ea"/>
+                </a:rPr>
+                <a:t>しゃほうとうしゃ</a:t>
+              </a:r>
+              <a:endParaRPr kumimoji="1" lang="ja-JP" altLang="en-US" sz="700" b="1" dirty="0">
+                <a:latin typeface="+mn-ea"/>
+              </a:endParaRPr>
+            </a:p>
+          </p:txBody>
+        </p:sp>
+      </p:grpSp>
+      <p:sp>
+        <p:nvSpPr>
+          <p:cNvPr id="28" name="テキスト ボックス 27"/>
+          <p:cNvSpPr txBox="1"/>
+          <p:nvPr/>
+        </p:nvSpPr>
+        <p:spPr>
+          <a:xfrm>
+            <a:off x="5054600" y="5316045"/>
+            <a:ext cx="457200" cy="200055"/>
+          </a:xfrm>
+          <a:prstGeom prst="rect">
+            <a:avLst/>
+          </a:prstGeom>
+          <a:noFill/>
+        </p:spPr>
+        <p:txBody>
+          <a:bodyPr wrap="square" rtlCol="0">
+            <a:spAutoFit/>
+          </a:bodyPr>
+          <a:lstStyle/>
+          <a:p>
+            <a:r>
+              <a:rPr kumimoji="1" lang="ja-JP" altLang="en-US" sz="700" b="1" dirty="0" smtClean="0">
+                <a:latin typeface="+mn-ea"/>
+              </a:rPr>
+              <a:t>おろそ</a:t>
+            </a:r>
+            <a:endParaRPr kumimoji="1" lang="ja-JP" altLang="en-US" sz="700" b="1" dirty="0">
+              <a:latin typeface="+mn-ea"/>
+            </a:endParaRPr>
           </a:p>
         </p:txBody>
       </p:sp>

--- a/アーカイブ用/パワポ用/卒業制作のためのゲーム制作TIPS.pptx
+++ b/アーカイブ用/パワポ用/卒業制作のためのゲーム制作TIPS.pptx
@@ -3587,10 +3587,10 @@
         </p:nvGrpSpPr>
         <p:grpSpPr>
           <a:xfrm>
-            <a:off x="-41070" y="6672339"/>
-            <a:ext cx="5894563" cy="588623"/>
-            <a:chOff x="-115564" y="1477402"/>
-            <a:chExt cx="5894563" cy="588623"/>
+            <a:off x="-63047" y="6640199"/>
+            <a:ext cx="5894562" cy="601487"/>
+            <a:chOff x="-115561" y="1464538"/>
+            <a:chExt cx="5894562" cy="601487"/>
           </a:xfrm>
         </p:grpSpPr>
         <p:sp>
@@ -3601,8 +3601,8 @@
           </p:nvSpPr>
           <p:spPr>
             <a:xfrm>
-              <a:off x="-115564" y="1604360"/>
-              <a:ext cx="5894563" cy="461665"/>
+              <a:off x="-115561" y="1604360"/>
+              <a:ext cx="5894562" cy="461665"/>
             </a:xfrm>
             <a:prstGeom prst="rect">
               <a:avLst/>
@@ -3645,6 +3645,20 @@
                 <a:t>.</a:t>
               </a:r>
               <a:r>
+                <a:rPr lang="ja-JP" altLang="en-US" sz="2400" b="1" dirty="0">
+                  <a:ln w="0"/>
+                  <a:effectLst>
+                    <a:outerShdw blurRad="38100" dist="19050" dir="2700000" algn="tl" rotWithShape="0">
+                      <a:schemeClr val="dk1">
+                        <a:alpha val="40000"/>
+                      </a:schemeClr>
+                    </a:outerShdw>
+                  </a:effectLst>
+                  <a:latin typeface="Consolas" panose="020B0609020204030204" pitchFamily="49" charset="0"/>
+                </a:rPr>
+                <a:t>テキスト</a:t>
+              </a:r>
+              <a:r>
                 <a:rPr lang="ja-JP" altLang="en-US" sz="2400" b="1" cap="none" spc="0" dirty="0" smtClean="0">
                   <a:ln w="0"/>
                   <a:solidFill>
@@ -3659,7 +3673,41 @@
                   </a:effectLst>
                   <a:latin typeface="Consolas" panose="020B0609020204030204" pitchFamily="49" charset="0"/>
                 </a:rPr>
-                <a:t>テキストファイルやクラスを巧く使う</a:t>
+                <a:t>ファイル</a:t>
+              </a:r>
+              <a:r>
+                <a:rPr lang="ja-JP" altLang="en-US" sz="2400" b="1" cap="none" spc="0" dirty="0" smtClean="0">
+                  <a:ln w="0"/>
+                  <a:solidFill>
+                    <a:schemeClr val="tx1"/>
+                  </a:solidFill>
+                  <a:effectLst>
+                    <a:outerShdw blurRad="38100" dist="19050" dir="2700000" algn="tl" rotWithShape="0">
+                      <a:schemeClr val="dk1">
+                        <a:alpha val="40000"/>
+                      </a:schemeClr>
+                    </a:outerShdw>
+                  </a:effectLst>
+                  <a:latin typeface="Consolas" panose="020B0609020204030204" pitchFamily="49" charset="0"/>
+                </a:rPr>
+                <a:t>やクラスを巧く</a:t>
+              </a:r>
+              <a:r>
+                <a:rPr lang="ja-JP" altLang="en-US" sz="2400" b="1" cap="none" spc="0" dirty="0" smtClean="0">
+                  <a:ln w="0"/>
+                  <a:solidFill>
+                    <a:schemeClr val="tx1"/>
+                  </a:solidFill>
+                  <a:effectLst>
+                    <a:outerShdw blurRad="38100" dist="19050" dir="2700000" algn="tl" rotWithShape="0">
+                      <a:schemeClr val="dk1">
+                        <a:alpha val="40000"/>
+                      </a:schemeClr>
+                    </a:outerShdw>
+                  </a:effectLst>
+                  <a:latin typeface="Consolas" panose="020B0609020204030204" pitchFamily="49" charset="0"/>
+                </a:rPr>
+                <a:t>使う</a:t>
               </a:r>
               <a:endParaRPr lang="ja-JP" altLang="en-US" sz="2400" b="1" cap="none" spc="0" dirty="0">
                 <a:ln w="0"/>
@@ -3686,7 +3734,7 @@
           </p:nvSpPr>
           <p:spPr>
             <a:xfrm>
-              <a:off x="4352967" y="1477402"/>
+              <a:off x="4351217" y="1464538"/>
               <a:ext cx="453971" cy="253916"/>
             </a:xfrm>
             <a:prstGeom prst="rect">
@@ -3745,7 +3793,7 @@
         <p:spPr>
           <a:xfrm>
             <a:off x="0" y="2265252"/>
-            <a:ext cx="6858000" cy="492443"/>
+            <a:ext cx="6858000" cy="461665"/>
           </a:xfrm>
           <a:prstGeom prst="rect">
             <a:avLst/>
@@ -3761,16 +3809,56 @@
           <a:lstStyle/>
           <a:p>
             <a:r>
-              <a:rPr kumimoji="1" lang="ja-JP" altLang="en-US" sz="2600" b="1" dirty="0" smtClean="0">
+              <a:rPr kumimoji="1" lang="ja-JP" altLang="en-US" sz="2400" b="1" dirty="0" smtClean="0">
                 <a:solidFill>
                   <a:schemeClr val="tx2">
                     <a:lumMod val="50000"/>
                   </a:schemeClr>
                 </a:solidFill>
               </a:rPr>
-              <a:t>① ソースコードを可能な限りキレイに書く　</a:t>
-            </a:r>
-            <a:endParaRPr kumimoji="1" lang="ja-JP" altLang="en-US" sz="2600" b="1" dirty="0">
+              <a:t>① </a:t>
+            </a:r>
+            <a:r>
+              <a:rPr kumimoji="1" lang="ja-JP" altLang="en-US" sz="2400" b="1" dirty="0" smtClean="0">
+                <a:solidFill>
+                  <a:schemeClr val="tx2">
+                    <a:lumMod val="50000"/>
+                  </a:schemeClr>
+                </a:solidFill>
+              </a:rPr>
+              <a:t>ソースコードは可能</a:t>
+            </a:r>
+            <a:r>
+              <a:rPr kumimoji="1" lang="ja-JP" altLang="en-US" sz="2400" b="1" dirty="0" smtClean="0">
+                <a:solidFill>
+                  <a:schemeClr val="tx2">
+                    <a:lumMod val="50000"/>
+                  </a:schemeClr>
+                </a:solidFill>
+              </a:rPr>
+              <a:t>な限りキレイに</a:t>
+            </a:r>
+            <a:r>
+              <a:rPr kumimoji="1" lang="ja-JP" altLang="en-US" sz="2400" b="1" dirty="0" smtClean="0">
+                <a:solidFill>
+                  <a:schemeClr val="tx2">
+                    <a:lumMod val="50000"/>
+                  </a:schemeClr>
+                </a:solidFill>
+              </a:rPr>
+              <a:t>書こう</a:t>
+            </a:r>
+            <a:r>
+              <a:rPr kumimoji="1" lang="ja-JP" altLang="en-US" sz="2400" b="1" dirty="0" smtClean="0">
+                <a:solidFill>
+                  <a:schemeClr val="tx2">
+                    <a:lumMod val="50000"/>
+                  </a:schemeClr>
+                </a:solidFill>
+              </a:rPr>
+              <a:t>　</a:t>
+            </a:r>
+            <a:endParaRPr kumimoji="1" lang="ja-JP" altLang="en-US" sz="2400" b="1" dirty="0">
               <a:solidFill>
                 <a:schemeClr val="tx2">
                   <a:lumMod val="50000"/>
@@ -3789,7 +3877,7 @@
         <p:spPr>
           <a:xfrm>
             <a:off x="6402" y="2754271"/>
-            <a:ext cx="6851598" cy="1354217"/>
+            <a:ext cx="6851598" cy="1323439"/>
           </a:xfrm>
           <a:prstGeom prst="rect">
             <a:avLst/>
@@ -3813,110 +3901,74 @@
           <a:lstStyle/>
           <a:p>
             <a:r>
-              <a:rPr kumimoji="1" lang="ja-JP" altLang="en-US" sz="1600" b="1" dirty="0" smtClean="0"/>
-              <a:t>チーム制作では、デバッグなどで</a:t>
-            </a:r>
-            <a:r>
-              <a:rPr kumimoji="1" lang="ja-JP" altLang="en-US" b="1" dirty="0" smtClean="0">
+              <a:rPr lang="en-US" altLang="ja-JP" b="1" dirty="0" smtClean="0"/>
+              <a:t>1:</a:t>
+            </a:r>
+            <a:r>
+              <a:rPr lang="ja-JP" altLang="en-US" b="1" dirty="0" smtClean="0"/>
+              <a:t>チーム制作では、他の人がコードを見ることが多い。</a:t>
+            </a:r>
+            <a:endParaRPr lang="en-US" altLang="ja-JP" b="1" dirty="0" smtClean="0"/>
+          </a:p>
+          <a:p>
+            <a:r>
+              <a:rPr lang="en-US" altLang="ja-JP" b="1" dirty="0" smtClean="0"/>
+              <a:t>2:</a:t>
+            </a:r>
+            <a:r>
+              <a:rPr lang="ja-JP" altLang="en-US" b="1" dirty="0" smtClean="0"/>
+              <a:t>汚いコードは見る人のやる</a:t>
+            </a:r>
+            <a:r>
+              <a:rPr lang="ja-JP" altLang="en-US" b="1" dirty="0"/>
+              <a:t>気</a:t>
+            </a:r>
+            <a:r>
+              <a:rPr lang="ja-JP" altLang="en-US" b="1" dirty="0" smtClean="0"/>
+              <a:t>を削ぐ</a:t>
+            </a:r>
+            <a:r>
+              <a:rPr lang="en-US" altLang="ja-JP" b="1" dirty="0" smtClean="0"/>
+              <a:t>(</a:t>
+            </a:r>
+            <a:r>
+              <a:rPr lang="ja-JP" altLang="en-US" b="1" dirty="0" smtClean="0"/>
+              <a:t>真面目に見てもらえない</a:t>
+            </a:r>
+            <a:r>
+              <a:rPr lang="en-US" altLang="ja-JP" b="1" dirty="0" smtClean="0"/>
+              <a:t>)</a:t>
+            </a:r>
+          </a:p>
+          <a:p>
+            <a:r>
+              <a:rPr lang="ja-JP" altLang="en-US" sz="2000" b="1" dirty="0" smtClean="0">
                 <a:solidFill>
                   <a:srgbClr val="FF0000"/>
                 </a:solidFill>
-                <a:effectLst>
-                  <a:outerShdw blurRad="50800" dist="38100" dir="2700000" algn="tl" rotWithShape="0">
-                    <a:prstClr val="black">
-                      <a:alpha val="40000"/>
-                    </a:prstClr>
-                  </a:outerShdw>
-                </a:effectLst>
               </a:rPr>
-              <a:t>自分のコードを</a:t>
-            </a:r>
-            <a:endParaRPr kumimoji="1" lang="en-US" altLang="ja-JP" b="1" dirty="0" smtClean="0">
+              <a:t>だから、コードはキレイに書こう！！</a:t>
+            </a:r>
+            <a:endParaRPr lang="en-US" altLang="ja-JP" sz="2000" b="1" dirty="0" smtClean="0">
               <a:solidFill>
                 <a:srgbClr val="FF0000"/>
               </a:solidFill>
-              <a:effectLst>
-                <a:outerShdw blurRad="50800" dist="38100" dir="2700000" algn="tl" rotWithShape="0">
-                  <a:prstClr val="black">
-                    <a:alpha val="40000"/>
-                  </a:prstClr>
-                </a:outerShdw>
-              </a:effectLst>
             </a:endParaRPr>
           </a:p>
           <a:p>
             <a:r>
-              <a:rPr lang="ja-JP" altLang="en-US" b="1" dirty="0">
-                <a:solidFill>
-                  <a:srgbClr val="FF0000"/>
-                </a:solidFill>
-                <a:effectLst>
-                  <a:outerShdw blurRad="50800" dist="38100" dir="2700000" algn="tl" rotWithShape="0">
-                    <a:prstClr val="black">
-                      <a:alpha val="40000"/>
-                    </a:prstClr>
-                  </a:outerShdw>
-                </a:effectLst>
-              </a:rPr>
-              <a:t>他</a:t>
-            </a:r>
-            <a:r>
-              <a:rPr lang="ja-JP" altLang="en-US" b="1" dirty="0" smtClean="0">
-                <a:solidFill>
-                  <a:srgbClr val="FF0000"/>
-                </a:solidFill>
-                <a:effectLst>
-                  <a:outerShdw blurRad="50800" dist="38100" dir="2700000" algn="tl" rotWithShape="0">
-                    <a:prstClr val="black">
-                      <a:alpha val="40000"/>
-                    </a:prstClr>
-                  </a:outerShdw>
-                </a:effectLst>
-              </a:rPr>
-              <a:t>のチームメンバーに確認してもらうことが</a:t>
-            </a:r>
-            <a:r>
-              <a:rPr lang="ja-JP" altLang="en-US" b="1" dirty="0" smtClean="0">
-                <a:solidFill>
-                  <a:srgbClr val="FF0000"/>
-                </a:solidFill>
-                <a:effectLst>
-                  <a:outerShdw blurRad="50800" dist="38100" dir="2700000" algn="tl" rotWithShape="0">
-                    <a:prstClr val="black">
-                      <a:alpha val="40000"/>
-                    </a:prstClr>
-                  </a:outerShdw>
-                </a:effectLst>
-              </a:rPr>
-              <a:t>多い</a:t>
-            </a:r>
-            <a:r>
-              <a:rPr lang="ja-JP" altLang="en-US" sz="1600" b="1" dirty="0" smtClean="0"/>
-              <a:t>。</a:t>
-            </a:r>
-            <a:endParaRPr lang="en-US" altLang="ja-JP" sz="1600" b="1" dirty="0" smtClean="0"/>
-          </a:p>
-          <a:p>
-            <a:r>
-              <a:rPr kumimoji="1" lang="ja-JP" altLang="en-US" b="1" dirty="0" smtClean="0"/>
-              <a:t>修正点を早く見つけられるようにきれいにコードを書こう</a:t>
-            </a:r>
-            <a:r>
-              <a:rPr kumimoji="1" lang="en-US" altLang="ja-JP" b="1" dirty="0" smtClean="0"/>
-              <a:t>!!</a:t>
-            </a:r>
-            <a:endParaRPr kumimoji="1" lang="en-US" altLang="ja-JP" sz="600" dirty="0" smtClean="0"/>
-          </a:p>
-          <a:p>
-            <a:r>
-              <a:rPr lang="ja-JP" altLang="en-US" sz="2800" b="1" dirty="0" smtClean="0"/>
-              <a:t>そのために</a:t>
-            </a:r>
-            <a:r>
-              <a:rPr lang="en-US" altLang="ja-JP" sz="2800" b="1" dirty="0" smtClean="0"/>
+              <a:rPr lang="ja-JP" altLang="en-US" sz="2400" b="1" dirty="0" smtClean="0"/>
+              <a:t>その</a:t>
+            </a:r>
+            <a:r>
+              <a:rPr lang="ja-JP" altLang="en-US" sz="2400" b="1" dirty="0" smtClean="0"/>
+              <a:t>ために</a:t>
+            </a:r>
+            <a:r>
+              <a:rPr lang="en-US" altLang="ja-JP" sz="2400" b="1" dirty="0" smtClean="0"/>
               <a:t>…</a:t>
             </a:r>
-            <a:endParaRPr kumimoji="1" lang="ja-JP" altLang="en-US" sz="2800" b="1" dirty="0"/>
+            <a:endParaRPr kumimoji="1" lang="ja-JP" altLang="en-US" sz="2400" b="1" dirty="0"/>
           </a:p>
         </p:txBody>
       </p:sp>
@@ -3928,7 +3980,7 @@
         </p:nvSpPr>
         <p:spPr>
           <a:xfrm>
-            <a:off x="-41070" y="4072890"/>
+            <a:off x="-41070" y="4110468"/>
             <a:ext cx="4695517" cy="461665"/>
           </a:xfrm>
           <a:prstGeom prst="rect">
@@ -4065,8 +4117,8 @@
         </p:blipFill>
         <p:spPr>
           <a:xfrm>
-            <a:off x="3688080" y="4534554"/>
-            <a:ext cx="3057230" cy="1551285"/>
+            <a:off x="4062293" y="4675877"/>
+            <a:ext cx="2659040" cy="1349237"/>
           </a:xfrm>
           <a:prstGeom prst="rect">
             <a:avLst/>
@@ -4088,8 +4140,8 @@
         </p:nvSpPr>
         <p:spPr>
           <a:xfrm>
-            <a:off x="0" y="4588905"/>
-            <a:ext cx="6858000" cy="2031325"/>
+            <a:off x="6402" y="4652654"/>
+            <a:ext cx="6858000" cy="1923604"/>
           </a:xfrm>
           <a:prstGeom prst="rect">
             <a:avLst/>
@@ -4103,53 +4155,58 @@
           <a:lstStyle/>
           <a:p>
             <a:r>
-              <a:rPr lang="ja-JP" altLang="en-US" sz="1600" b="1" dirty="0" smtClean="0"/>
-              <a:t>どんなに簡単なコードでも、</a:t>
-            </a:r>
-            <a:endParaRPr lang="en-US" altLang="ja-JP" sz="1600" b="1" dirty="0" smtClean="0"/>
-          </a:p>
-          <a:p>
+              <a:rPr lang="en-US" altLang="ja-JP" sz="1600" b="1" dirty="0" smtClean="0"/>
+              <a:t>1:</a:t>
+            </a:r>
             <a:r>
               <a:rPr lang="ja-JP" altLang="en-US" sz="1600" b="1" dirty="0"/>
               <a:t>コメント</a:t>
             </a:r>
             <a:r>
               <a:rPr lang="ja-JP" altLang="en-US" sz="1600" b="1" dirty="0" smtClean="0"/>
-              <a:t>が</a:t>
-            </a:r>
-            <a:r>
-              <a:rPr lang="ja-JP" altLang="en-US" sz="1600" b="1" dirty="0"/>
-              <a:t>書</a:t>
-            </a:r>
+              <a:t>がないコードは、</a:t>
+            </a:r>
+            <a:endParaRPr lang="en-US" altLang="ja-JP" sz="1600" b="1" dirty="0" smtClean="0"/>
+          </a:p>
+          <a:p>
             <a:r>
               <a:rPr lang="ja-JP" altLang="en-US" sz="1600" b="1" dirty="0" smtClean="0"/>
-              <a:t>かれてなければ</a:t>
+              <a:t>   時間とともに書いた意図が</a:t>
+            </a:r>
+            <a:endParaRPr lang="en-US" altLang="ja-JP" sz="1600" b="1" dirty="0"/>
+          </a:p>
+          <a:p>
+            <a:r>
+              <a:rPr lang="ja-JP" altLang="en-US" sz="1600" b="1" dirty="0" smtClean="0"/>
+              <a:t>   自分でも</a:t>
+            </a:r>
+            <a:r>
+              <a:rPr lang="ja-JP" altLang="en-US" sz="1600" b="1" dirty="0" smtClean="0"/>
+              <a:t>わからなくなってくる</a:t>
             </a:r>
             <a:endParaRPr lang="en-US" altLang="ja-JP" sz="1600" b="1" dirty="0" smtClean="0"/>
           </a:p>
           <a:p>
             <a:r>
+              <a:rPr lang="en-US" altLang="ja-JP" sz="1600" b="1" dirty="0" smtClean="0"/>
+              <a:t>2:</a:t>
+            </a:r>
+            <a:r>
               <a:rPr lang="ja-JP" altLang="en-US" sz="1600" b="1" dirty="0" smtClean="0"/>
-              <a:t>そのコードを書いた意図が分からず、</a:t>
+              <a:t>そのコードを他の人がいじるときに</a:t>
             </a:r>
             <a:endParaRPr lang="en-US" altLang="ja-JP" sz="1600" b="1" dirty="0" smtClean="0"/>
           </a:p>
           <a:p>
             <a:r>
+              <a:rPr lang="en-US" altLang="ja-JP" sz="1600" b="1" dirty="0" smtClean="0"/>
+              <a:t>    </a:t>
+            </a:r>
+            <a:r>
               <a:rPr lang="ja-JP" altLang="en-US" sz="1600" b="1" dirty="0" smtClean="0"/>
-              <a:t>プログラムを拡張するときにそこから</a:t>
+              <a:t>バグの発生源に気づきにくくなる</a:t>
             </a:r>
             <a:endParaRPr lang="en-US" altLang="ja-JP" sz="1600" b="1" dirty="0" smtClean="0"/>
-          </a:p>
-          <a:p>
-            <a:r>
-              <a:rPr lang="ja-JP" altLang="en-US" sz="1600" b="1" dirty="0" smtClean="0"/>
-              <a:t>どんどんコードが汚くなっていきます。</a:t>
-            </a:r>
-            <a:endParaRPr lang="en-US" altLang="ja-JP" sz="1600" b="1" dirty="0" smtClean="0"/>
-          </a:p>
-          <a:p>
-            <a:endParaRPr lang="en-US" altLang="ja-JP" sz="700" b="1" dirty="0" smtClean="0"/>
           </a:p>
           <a:p>
             <a:endParaRPr lang="en-US" altLang="ja-JP" sz="700" b="1" dirty="0" smtClean="0"/>
@@ -4206,152 +4263,6 @@
           </a:p>
         </p:txBody>
       </p:sp>
-      <p:sp>
-        <p:nvSpPr>
-          <p:cNvPr id="23" name="テキスト ボックス 22"/>
-          <p:cNvSpPr txBox="1"/>
-          <p:nvPr/>
-        </p:nvSpPr>
-        <p:spPr>
-          <a:xfrm>
-            <a:off x="2747681" y="7357358"/>
-            <a:ext cx="4110319" cy="2400657"/>
-          </a:xfrm>
-          <a:prstGeom prst="rect">
-            <a:avLst/>
-          </a:prstGeom>
-          <a:noFill/>
-        </p:spPr>
-        <p:txBody>
-          <a:bodyPr wrap="square" rtlCol="0">
-            <a:spAutoFit/>
-          </a:bodyPr>
-          <a:lstStyle/>
-          <a:p>
-            <a:r>
-              <a:rPr lang="ja-JP" altLang="en-US" sz="1600" b="1" dirty="0" smtClean="0"/>
-              <a:t>マップへのオブジェクト配置等は</a:t>
-            </a:r>
-            <a:endParaRPr lang="en-US" altLang="ja-JP" sz="1600" b="1" dirty="0" smtClean="0"/>
-          </a:p>
-          <a:p>
-            <a:r>
-              <a:rPr lang="ja-JP" altLang="en-US" sz="1600" b="1" dirty="0"/>
-              <a:t>ソース</a:t>
-            </a:r>
-            <a:r>
-              <a:rPr lang="ja-JP" altLang="en-US" sz="1600" b="1" dirty="0" smtClean="0"/>
-              <a:t>コードに直書きせず</a:t>
-            </a:r>
-            <a:r>
-              <a:rPr lang="en-US" altLang="ja-JP" sz="1600" b="1" dirty="0" smtClean="0"/>
-              <a:t>,</a:t>
-            </a:r>
-          </a:p>
-          <a:p>
-            <a:r>
-              <a:rPr lang="ja-JP" altLang="en-US" b="1" dirty="0" smtClean="0">
-                <a:solidFill>
-                  <a:srgbClr val="FF0000"/>
-                </a:solidFill>
-                <a:effectLst>
-                  <a:outerShdw blurRad="50800" dist="38100" dir="2700000" algn="tl" rotWithShape="0">
-                    <a:prstClr val="black">
-                      <a:alpha val="40000"/>
-                    </a:prstClr>
-                  </a:outerShdw>
-                </a:effectLst>
-              </a:rPr>
-              <a:t>必ずテキストファイルから読み込もう</a:t>
-            </a:r>
-            <a:r>
-              <a:rPr lang="ja-JP" altLang="en-US" sz="1600" b="1" dirty="0" smtClean="0"/>
-              <a:t>。</a:t>
-            </a:r>
-            <a:endParaRPr lang="en-US" altLang="ja-JP" sz="1600" b="1" dirty="0" smtClean="0"/>
-          </a:p>
-          <a:p>
-            <a:r>
-              <a:rPr lang="ja-JP" altLang="en-US" sz="1600" b="1" dirty="0" smtClean="0"/>
-              <a:t>バグ箇所の発見や修正が楽になります。</a:t>
-            </a:r>
-            <a:endParaRPr lang="en-US" altLang="ja-JP" sz="1600" b="1" dirty="0"/>
-          </a:p>
-          <a:p>
-            <a:r>
-              <a:rPr lang="ja-JP" altLang="en-US" sz="1600" b="1" dirty="0" smtClean="0"/>
-              <a:t>また</a:t>
-            </a:r>
-            <a:r>
-              <a:rPr lang="ja-JP" altLang="en-US" sz="1600" b="1" dirty="0"/>
-              <a:t>、</a:t>
-            </a:r>
-            <a:endParaRPr lang="en-US" altLang="ja-JP" sz="1600" b="1" dirty="0"/>
-          </a:p>
-          <a:p>
-            <a:r>
-              <a:rPr lang="ja-JP" altLang="en-US" sz="1600" b="1" dirty="0" smtClean="0"/>
-              <a:t>テクスチャ生成やコントローラ入力など、コード内に</a:t>
-            </a:r>
-            <a:r>
-              <a:rPr kumimoji="1" lang="ja-JP" altLang="en-US" sz="1600" b="1" dirty="0" smtClean="0"/>
-              <a:t>大量に書かれるものは</a:t>
-            </a:r>
-            <a:endParaRPr kumimoji="1" lang="en-US" altLang="ja-JP" sz="1600" b="1" dirty="0" smtClean="0"/>
-          </a:p>
-          <a:p>
-            <a:r>
-              <a:rPr kumimoji="1" lang="ja-JP" altLang="en-US" b="1" dirty="0" smtClean="0">
-                <a:solidFill>
-                  <a:srgbClr val="FF0000"/>
-                </a:solidFill>
-                <a:effectLst>
-                  <a:outerShdw blurRad="50800" dist="38100" dir="2700000" algn="tl" rotWithShape="0">
-                    <a:prstClr val="black">
-                      <a:alpha val="40000"/>
-                    </a:prstClr>
-                  </a:outerShdw>
-                </a:effectLst>
-              </a:rPr>
-              <a:t>クラスにまとめて一括管理できると</a:t>
-            </a:r>
-            <a:endParaRPr kumimoji="1" lang="en-US" altLang="ja-JP" b="1" dirty="0" smtClean="0">
-              <a:solidFill>
-                <a:srgbClr val="FF0000"/>
-              </a:solidFill>
-              <a:effectLst>
-                <a:outerShdw blurRad="50800" dist="38100" dir="2700000" algn="tl" rotWithShape="0">
-                  <a:prstClr val="black">
-                    <a:alpha val="40000"/>
-                  </a:prstClr>
-                </a:outerShdw>
-              </a:effectLst>
-            </a:endParaRPr>
-          </a:p>
-          <a:p>
-            <a:r>
-              <a:rPr lang="ja-JP" altLang="en-US" b="1" dirty="0" smtClean="0">
-                <a:solidFill>
-                  <a:srgbClr val="FF0000"/>
-                </a:solidFill>
-                <a:effectLst>
-                  <a:outerShdw blurRad="50800" dist="38100" dir="2700000" algn="tl" rotWithShape="0">
-                    <a:prstClr val="black">
-                      <a:alpha val="40000"/>
-                    </a:prstClr>
-                  </a:outerShdw>
-                </a:effectLst>
-              </a:rPr>
-              <a:t>かなりコードがすっきりします</a:t>
-            </a:r>
-            <a:r>
-              <a:rPr lang="ja-JP" altLang="en-US" sz="1600" b="1" dirty="0" smtClean="0"/>
-              <a:t>。</a:t>
-            </a:r>
-            <a:endParaRPr lang="en-US" altLang="ja-JP" sz="1600" b="1" dirty="0" smtClean="0"/>
-          </a:p>
-        </p:txBody>
-      </p:sp>
       <p:cxnSp>
         <p:nvCxnSpPr>
           <p:cNvPr id="25" name="直線コネクタ 24"/>
@@ -4360,7 +4271,7 @@
         </p:nvCxnSpPr>
         <p:spPr>
           <a:xfrm>
-            <a:off x="-497840" y="6672339"/>
+            <a:off x="-497840" y="6684865"/>
             <a:ext cx="7782560" cy="0"/>
           </a:xfrm>
           <a:prstGeom prst="line">
@@ -4445,8 +4356,8 @@
         </p:blipFill>
         <p:spPr>
           <a:xfrm>
-            <a:off x="240909" y="7309261"/>
-            <a:ext cx="2353543" cy="2496849"/>
+            <a:off x="64277" y="7328852"/>
+            <a:ext cx="2162705" cy="2294391"/>
           </a:xfrm>
           <a:prstGeom prst="rect">
             <a:avLst/>
@@ -4535,6 +4446,171 @@
           </p:spPr>
         </p:pic>
       </p:grpSp>
+      <p:sp>
+        <p:nvSpPr>
+          <p:cNvPr id="21" name="テキスト ボックス 20"/>
+          <p:cNvSpPr txBox="1"/>
+          <p:nvPr/>
+        </p:nvSpPr>
+        <p:spPr>
+          <a:xfrm>
+            <a:off x="2317501" y="7299893"/>
+            <a:ext cx="4540499" cy="2369880"/>
+          </a:xfrm>
+          <a:prstGeom prst="rect">
+            <a:avLst/>
+          </a:prstGeom>
+          <a:noFill/>
+        </p:spPr>
+        <p:txBody>
+          <a:bodyPr wrap="square" rtlCol="0">
+            <a:spAutoFit/>
+          </a:bodyPr>
+          <a:lstStyle/>
+          <a:p>
+            <a:r>
+              <a:rPr lang="en-US" altLang="ja-JP" sz="1600" b="1" dirty="0" smtClean="0"/>
+              <a:t>1:</a:t>
+            </a:r>
+            <a:r>
+              <a:rPr lang="ja-JP" altLang="en-US" sz="1600" b="1" dirty="0" smtClean="0"/>
+              <a:t>オブジェクト配置は</a:t>
+            </a:r>
+            <a:endParaRPr lang="en-US" altLang="ja-JP" sz="1600" b="1" dirty="0" smtClean="0"/>
+          </a:p>
+          <a:p>
+            <a:r>
+              <a:rPr lang="en-US" altLang="ja-JP" sz="1600" b="1" dirty="0"/>
+              <a:t> </a:t>
+            </a:r>
+            <a:r>
+              <a:rPr lang="en-US" altLang="ja-JP" sz="1600" b="1" dirty="0" smtClean="0"/>
+              <a:t>  </a:t>
+            </a:r>
+            <a:r>
+              <a:rPr lang="ja-JP" altLang="en-US" sz="1600" b="1" dirty="0" smtClean="0"/>
+              <a:t>必ずテキストファイルから読み込む</a:t>
+            </a:r>
+            <a:endParaRPr lang="en-US" altLang="ja-JP" sz="1600" b="1" dirty="0" smtClean="0"/>
+          </a:p>
+          <a:p>
+            <a:r>
+              <a:rPr lang="en-US" altLang="ja-JP" sz="1600" b="1" dirty="0" smtClean="0"/>
+              <a:t>2:</a:t>
+            </a:r>
+            <a:r>
+              <a:rPr lang="ja-JP" altLang="en-US" sz="1600" b="1" dirty="0" smtClean="0"/>
+              <a:t>テクスチャ生成やコマンド入力は</a:t>
+            </a:r>
+            <a:endParaRPr lang="en-US" altLang="ja-JP" sz="1600" b="1" dirty="0" smtClean="0"/>
+          </a:p>
+          <a:p>
+            <a:r>
+              <a:rPr lang="en-US" altLang="ja-JP" sz="1600" b="1" dirty="0"/>
+              <a:t> </a:t>
+            </a:r>
+            <a:r>
+              <a:rPr lang="en-US" altLang="ja-JP" sz="1600" b="1" dirty="0" smtClean="0"/>
+              <a:t>  </a:t>
+            </a:r>
+            <a:r>
+              <a:rPr lang="ja-JP" altLang="en-US" sz="1600" b="1" dirty="0" smtClean="0"/>
+              <a:t>クラスで一括で管理する</a:t>
+            </a:r>
+            <a:endParaRPr lang="en-US" altLang="ja-JP" sz="1600" b="1" dirty="0" smtClean="0"/>
+          </a:p>
+          <a:p>
+            <a:r>
+              <a:rPr lang="en-US" altLang="ja-JP" sz="1600" b="1" dirty="0" smtClean="0"/>
+              <a:t>3:</a:t>
+            </a:r>
+            <a:r>
+              <a:rPr lang="ja-JP" altLang="en-US" sz="1600" b="1" dirty="0" smtClean="0"/>
+              <a:t>制作でよく使う計算をまとめた</a:t>
+            </a:r>
+            <a:endParaRPr lang="en-US" altLang="ja-JP" sz="1600" b="1" dirty="0" smtClean="0"/>
+          </a:p>
+          <a:p>
+            <a:r>
+              <a:rPr lang="en-US" altLang="ja-JP" sz="1600" b="1" dirty="0"/>
+              <a:t> </a:t>
+            </a:r>
+            <a:r>
+              <a:rPr lang="en-US" altLang="ja-JP" sz="1600" b="1" dirty="0" smtClean="0"/>
+              <a:t>  </a:t>
+            </a:r>
+            <a:r>
+              <a:rPr lang="ja-JP" altLang="en-US" sz="1600" b="1" dirty="0" smtClean="0"/>
+              <a:t>汎用計算クラスを作る</a:t>
+            </a:r>
+            <a:endParaRPr lang="en-US" altLang="ja-JP" sz="1600" b="1" dirty="0" smtClean="0"/>
+          </a:p>
+          <a:p>
+            <a:endParaRPr lang="en-US" altLang="ja-JP" sz="1600" b="1" dirty="0" smtClean="0"/>
+          </a:p>
+          <a:p>
+            <a:r>
+              <a:rPr lang="ja-JP" altLang="en-US" b="1" dirty="0" smtClean="0">
+                <a:solidFill>
+                  <a:srgbClr val="FF0000"/>
+                </a:solidFill>
+                <a:effectLst>
+                  <a:outerShdw blurRad="50800" dist="38100" dir="2700000" algn="tl" rotWithShape="0">
+                    <a:prstClr val="black">
+                      <a:alpha val="40000"/>
+                    </a:prstClr>
+                  </a:outerShdw>
+                </a:effectLst>
+              </a:rPr>
+              <a:t>テキストファイルやクラスを</a:t>
+            </a:r>
+            <a:endParaRPr lang="en-US" altLang="ja-JP" b="1" dirty="0" smtClean="0">
+              <a:solidFill>
+                <a:srgbClr val="FF0000"/>
+              </a:solidFill>
+              <a:effectLst>
+                <a:outerShdw blurRad="50800" dist="38100" dir="2700000" algn="tl" rotWithShape="0">
+                  <a:prstClr val="black">
+                    <a:alpha val="40000"/>
+                  </a:prstClr>
+                </a:outerShdw>
+              </a:effectLst>
+            </a:endParaRPr>
+          </a:p>
+          <a:p>
+            <a:r>
+              <a:rPr lang="ja-JP" altLang="en-US" b="1" dirty="0" smtClean="0">
+                <a:solidFill>
+                  <a:srgbClr val="FF0000"/>
+                </a:solidFill>
+                <a:effectLst>
+                  <a:outerShdw blurRad="50800" dist="38100" dir="2700000" algn="tl" rotWithShape="0">
+                    <a:prstClr val="black">
+                      <a:alpha val="40000"/>
+                    </a:prstClr>
+                  </a:outerShdw>
+                </a:effectLst>
+              </a:rPr>
+              <a:t>上手に使ってコードをすっきりさせよう</a:t>
+            </a:r>
+            <a:r>
+              <a:rPr lang="en-US" altLang="ja-JP" b="1" dirty="0" smtClean="0">
+                <a:solidFill>
+                  <a:srgbClr val="FF0000"/>
+                </a:solidFill>
+                <a:effectLst>
+                  <a:outerShdw blurRad="50800" dist="38100" dir="2700000" algn="tl" rotWithShape="0">
+                    <a:prstClr val="black">
+                      <a:alpha val="40000"/>
+                    </a:prstClr>
+                  </a:outerShdw>
+                </a:effectLst>
+              </a:rPr>
+              <a:t>!!</a:t>
+            </a:r>
+          </a:p>
+        </p:txBody>
+      </p:sp>
     </p:spTree>
     <p:extLst>
       <p:ext uri="{BB962C8B-B14F-4D97-AF65-F5344CB8AC3E}">
@@ -4593,8 +4669,8 @@
         </p:blipFill>
         <p:spPr>
           <a:xfrm>
-            <a:off x="638547" y="1904080"/>
-            <a:ext cx="1647453" cy="1722300"/>
+            <a:off x="720140" y="1990571"/>
+            <a:ext cx="1091717" cy="1141316"/>
           </a:xfrm>
           <a:prstGeom prst="rect">
             <a:avLst/>
@@ -4634,7 +4710,11 @@
           <a:p>
             <a:r>
               <a:rPr lang="ja-JP" altLang="en-US" sz="2600" b="1" dirty="0" smtClean="0"/>
-              <a:t>② 動作をテストできる環境を用意する</a:t>
+              <a:t>② 動作をテストできる環境を</a:t>
+            </a:r>
+            <a:r>
+              <a:rPr lang="ja-JP" altLang="en-US" sz="2600" b="1" dirty="0" smtClean="0"/>
+              <a:t>用意しよう</a:t>
             </a:r>
             <a:endParaRPr kumimoji="1" lang="ja-JP" altLang="en-US" sz="2600" b="1" dirty="0"/>
           </a:p>
@@ -4648,7 +4728,7 @@
         </p:nvSpPr>
         <p:spPr>
           <a:xfrm>
-            <a:off x="-9854" y="3860624"/>
+            <a:off x="-9854" y="3733302"/>
             <a:ext cx="6867854" cy="492443"/>
           </a:xfrm>
           <a:prstGeom prst="rect">
@@ -4666,7 +4746,11 @@
           <a:p>
             <a:r>
               <a:rPr lang="ja-JP" altLang="en-US" sz="2600" b="1" dirty="0" smtClean="0"/>
-              <a:t>③ 計算をなるべく簡略化する</a:t>
+              <a:t>③ 計算をなるべく</a:t>
+            </a:r>
+            <a:r>
+              <a:rPr lang="ja-JP" altLang="en-US" sz="2600" b="1" dirty="0" smtClean="0"/>
+              <a:t>簡略化しよう</a:t>
             </a:r>
             <a:endParaRPr kumimoji="1" lang="ja-JP" altLang="en-US" sz="2600" b="1" dirty="0"/>
           </a:p>
@@ -4680,8 +4764,8 @@
         </p:nvSpPr>
         <p:spPr>
           <a:xfrm>
-            <a:off x="-1420" y="484750"/>
-            <a:ext cx="6858000" cy="1354217"/>
+            <a:off x="2018" y="484470"/>
+            <a:ext cx="6858000" cy="1415772"/>
           </a:xfrm>
           <a:prstGeom prst="rect">
             <a:avLst/>
@@ -4716,22 +4800,6 @@
           </a:p>
           <a:p>
             <a:r>
-              <a:rPr lang="ja-JP" altLang="en-US" sz="1600" b="1" dirty="0">
-                <a:solidFill>
-                  <a:srgbClr val="FF0000"/>
-                </a:solidFill>
-                <a:effectLst>
-                  <a:outerShdw blurRad="50800" dist="38100" dir="2700000" algn="tl" rotWithShape="0">
-                    <a:prstClr val="black">
-                      <a:alpha val="40000"/>
-                    </a:prstClr>
-                  </a:outerShdw>
-                </a:effectLst>
-                <a:latin typeface="+mn-ea"/>
-              </a:rPr>
-              <a:t>今</a:t>
-            </a:r>
-            <a:r>
               <a:rPr lang="ja-JP" altLang="en-US" sz="1600" b="1" dirty="0" smtClean="0">
                 <a:solidFill>
                   <a:srgbClr val="FF0000"/>
@@ -4745,76 +4813,25 @@
                 </a:effectLst>
                 <a:latin typeface="+mn-ea"/>
               </a:rPr>
-              <a:t>のコード</a:t>
-            </a:r>
-            <a:r>
-              <a:rPr lang="ja-JP" altLang="en-US" sz="1600" b="1" dirty="0" smtClean="0">
-                <a:solidFill>
-                  <a:srgbClr val="FF0000"/>
-                </a:solidFill>
-                <a:effectLst>
-                  <a:outerShdw blurRad="50800" dist="38100" dir="2700000" algn="tl" rotWithShape="0">
-                    <a:prstClr val="black">
-                      <a:alpha val="40000"/>
-                    </a:prstClr>
-                  </a:outerShdw>
-                </a:effectLst>
-                <a:latin typeface="+mn-ea"/>
-              </a:rPr>
-              <a:t>に直書きすると</a:t>
-            </a:r>
-            <a:r>
-              <a:rPr lang="ja-JP" altLang="en-US" sz="1600" b="1" dirty="0" smtClean="0">
-                <a:solidFill>
-                  <a:srgbClr val="FF0000"/>
-                </a:solidFill>
-                <a:effectLst>
-                  <a:outerShdw blurRad="50800" dist="38100" dir="2700000" algn="tl" rotWithShape="0">
-                    <a:prstClr val="black">
-                      <a:alpha val="40000"/>
-                    </a:prstClr>
-                  </a:outerShdw>
-                </a:effectLst>
-                <a:latin typeface="+mn-ea"/>
-              </a:rPr>
-              <a:t>、ビルドは遅くなるわコードは汚くなるわで</a:t>
-            </a:r>
-            <a:endParaRPr lang="en-US" altLang="ja-JP" sz="1600" b="1" dirty="0" smtClean="0">
-              <a:solidFill>
-                <a:srgbClr val="FF0000"/>
-              </a:solidFill>
-              <a:effectLst>
-                <a:outerShdw blurRad="50800" dist="38100" dir="2700000" algn="tl" rotWithShape="0">
-                  <a:prstClr val="black">
-                    <a:alpha val="40000"/>
-                  </a:prstClr>
-                </a:outerShdw>
-              </a:effectLst>
-              <a:latin typeface="+mn-ea"/>
-            </a:endParaRPr>
-          </a:p>
-          <a:p>
-            <a:r>
-              <a:rPr lang="ja-JP" altLang="en-US" sz="1600" b="1" dirty="0" smtClean="0">
-                <a:solidFill>
-                  <a:srgbClr val="FF0000"/>
-                </a:solidFill>
-                <a:effectLst>
-                  <a:outerShdw blurRad="50800" dist="38100" dir="2700000" algn="tl" rotWithShape="0">
-                    <a:prstClr val="black">
-                      <a:alpha val="40000"/>
-                    </a:prstClr>
-                  </a:outerShdw>
-                </a:effectLst>
-                <a:latin typeface="+mn-ea"/>
-              </a:rPr>
-              <a:t>良いことがあまりない</a:t>
+              <a:t>今のコードに直書きすると、コードが汚くなる等良いことがあまりない</a:t>
             </a:r>
             <a:r>
               <a:rPr lang="ja-JP" altLang="en-US" sz="1600" b="1" dirty="0" smtClean="0">
                 <a:latin typeface="+mn-ea"/>
               </a:rPr>
-              <a:t>。そこであらかじめキャラクターが動かせる</a:t>
+              <a:t>。</a:t>
+            </a:r>
+            <a:r>
+              <a:rPr lang="ja-JP" altLang="en-US" b="1" dirty="0" smtClean="0">
+                <a:latin typeface="+mn-ea"/>
+              </a:rPr>
+              <a:t>そこで</a:t>
+            </a:r>
+            <a:r>
+              <a:rPr lang="ja-JP" altLang="en-US" sz="1600" b="1" dirty="0" smtClean="0">
+                <a:latin typeface="+mn-ea"/>
+              </a:rPr>
+              <a:t>あらかじめキャラクターが動かせる</a:t>
             </a:r>
             <a:endParaRPr lang="en-US" altLang="ja-JP" sz="1600" b="1" dirty="0" smtClean="0">
               <a:latin typeface="+mn-ea"/>
@@ -4825,19 +4842,7 @@
               <a:rPr lang="ja-JP" altLang="en-US" sz="1600" b="1" dirty="0" smtClean="0">
                 <a:latin typeface="+mn-ea"/>
               </a:rPr>
-              <a:t>簡略化した環境を別に用意しておくことで、</a:t>
-            </a:r>
-            <a:r>
-              <a:rPr lang="ja-JP" altLang="en-US" sz="1600" b="1" dirty="0" smtClean="0">
-                <a:latin typeface="+mn-ea"/>
-              </a:rPr>
-              <a:t>そこで</a:t>
-            </a:r>
-            <a:r>
-              <a:rPr lang="ja-JP" altLang="en-US" sz="1600" b="1" dirty="0" smtClean="0">
-                <a:latin typeface="+mn-ea"/>
-              </a:rPr>
-              <a:t>検証を終えた</a:t>
+              <a:t>簡略化した環境を別に用意しておくことで、そこで検証を終えた</a:t>
             </a:r>
             <a:endParaRPr lang="en-US" altLang="ja-JP" sz="1600" b="1" dirty="0" smtClean="0">
               <a:latin typeface="+mn-ea"/>
@@ -4845,7 +4850,7 @@
           </a:p>
           <a:p>
             <a:r>
-              <a:rPr lang="ja-JP" altLang="en-US" b="1" dirty="0" smtClean="0">
+              <a:rPr lang="ja-JP" altLang="en-US" sz="2000" b="1" dirty="0" smtClean="0">
                 <a:solidFill>
                   <a:srgbClr val="FF0000"/>
                 </a:solidFill>
@@ -4880,8 +4885,8 @@
         </p:nvSpPr>
         <p:spPr>
           <a:xfrm>
-            <a:off x="2626846" y="2153440"/>
-            <a:ext cx="4004155" cy="1323439"/>
+            <a:off x="2038222" y="2030574"/>
+            <a:ext cx="4738890" cy="1077218"/>
           </a:xfrm>
           <a:prstGeom prst="rect">
             <a:avLst/>
@@ -4896,92 +4901,102 @@
           <a:p>
             <a:r>
               <a:rPr lang="ja-JP" altLang="en-US" sz="1600" b="1" dirty="0" smtClean="0">
-                <a:latin typeface="+mn-ea"/>
+                <a:latin typeface="+mj-ea"/>
+                <a:ea typeface="+mj-ea"/>
               </a:rPr>
               <a:t>←テスト環境上でのプレイヤー</a:t>
             </a:r>
             <a:endParaRPr lang="en-US" altLang="ja-JP" sz="1600" b="1" dirty="0" smtClean="0">
-              <a:latin typeface="+mn-ea"/>
+              <a:latin typeface="+mj-ea"/>
+              <a:ea typeface="+mj-ea"/>
             </a:endParaRPr>
           </a:p>
           <a:p>
             <a:r>
               <a:rPr lang="ja-JP" altLang="en-US" sz="1600" b="1" dirty="0">
-                <a:latin typeface="+mn-ea"/>
+                <a:latin typeface="+mj-ea"/>
+                <a:ea typeface="+mj-ea"/>
               </a:rPr>
               <a:t>　</a:t>
             </a:r>
             <a:r>
               <a:rPr lang="ja-JP" altLang="en-US" sz="1600" b="1" dirty="0" smtClean="0">
-                <a:latin typeface="+mn-ea"/>
+                <a:latin typeface="+mj-ea"/>
+                <a:ea typeface="+mj-ea"/>
               </a:rPr>
               <a:t>メタセコイヤで</a:t>
             </a:r>
             <a:r>
               <a:rPr lang="en-US" altLang="ja-JP" sz="1600" b="1" dirty="0" smtClean="0">
-                <a:latin typeface="+mn-ea"/>
+                <a:latin typeface="+mj-ea"/>
+                <a:ea typeface="+mj-ea"/>
               </a:rPr>
               <a:t>1</a:t>
             </a:r>
             <a:r>
               <a:rPr lang="ja-JP" altLang="en-US" sz="1600" b="1" dirty="0" smtClean="0">
-                <a:latin typeface="+mn-ea"/>
+                <a:latin typeface="+mj-ea"/>
+                <a:ea typeface="+mj-ea"/>
               </a:rPr>
               <a:t>分くらいで作成</a:t>
             </a:r>
             <a:endParaRPr lang="en-US" altLang="ja-JP" sz="1600" b="1" dirty="0" smtClean="0">
-              <a:latin typeface="+mn-ea"/>
+              <a:latin typeface="+mj-ea"/>
+              <a:ea typeface="+mj-ea"/>
             </a:endParaRPr>
           </a:p>
           <a:p>
             <a:r>
               <a:rPr lang="ja-JP" altLang="en-US" sz="1600" b="1" dirty="0">
-                <a:latin typeface="+mn-ea"/>
+                <a:latin typeface="+mj-ea"/>
+                <a:ea typeface="+mj-ea"/>
               </a:rPr>
               <a:t>　</a:t>
             </a:r>
             <a:r>
               <a:rPr lang="ja-JP" altLang="en-US" sz="1600" b="1" dirty="0" smtClean="0">
-                <a:latin typeface="+mn-ea"/>
+                <a:latin typeface="+mj-ea"/>
+                <a:ea typeface="+mj-ea"/>
               </a:rPr>
-              <a:t>テスト環境ではこの</a:t>
+              <a:t>テスト環境では</a:t>
+            </a:r>
+            <a:r>
+              <a:rPr lang="ja-JP" altLang="en-US" sz="1600" b="1" dirty="0" smtClean="0">
+                <a:latin typeface="+mj-ea"/>
+                <a:ea typeface="+mj-ea"/>
+              </a:rPr>
+              <a:t>このクオリティ</a:t>
+            </a:r>
+            <a:r>
+              <a:rPr lang="ja-JP" altLang="en-US" sz="1600" b="1" dirty="0" smtClean="0">
+                <a:latin typeface="+mj-ea"/>
+                <a:ea typeface="+mj-ea"/>
+              </a:rPr>
+              <a:t>でも十分なので</a:t>
             </a:r>
             <a:endParaRPr lang="en-US" altLang="ja-JP" sz="1600" b="1" dirty="0" smtClean="0">
-              <a:latin typeface="+mn-ea"/>
+              <a:latin typeface="+mj-ea"/>
+              <a:ea typeface="+mj-ea"/>
             </a:endParaRPr>
           </a:p>
           <a:p>
             <a:r>
               <a:rPr lang="ja-JP" altLang="en-US" sz="1600" b="1" dirty="0">
-                <a:latin typeface="+mn-ea"/>
+                <a:latin typeface="+mj-ea"/>
+                <a:ea typeface="+mj-ea"/>
               </a:rPr>
               <a:t>　</a:t>
             </a:r>
             <a:r>
               <a:rPr lang="ja-JP" altLang="en-US" sz="1600" b="1" dirty="0" smtClean="0">
-                <a:latin typeface="+mn-ea"/>
-              </a:rPr>
-              <a:t>クオリティでも十分なので</a:t>
-            </a:r>
-            <a:endParaRPr lang="en-US" altLang="ja-JP" sz="1600" b="1" dirty="0" smtClean="0">
-              <a:latin typeface="+mn-ea"/>
-            </a:endParaRPr>
-          </a:p>
-          <a:p>
-            <a:r>
-              <a:rPr lang="ja-JP" altLang="en-US" sz="1600" b="1" dirty="0">
-                <a:latin typeface="+mn-ea"/>
-              </a:rPr>
-              <a:t>　</a:t>
-            </a:r>
-            <a:r>
-              <a:rPr lang="ja-JP" altLang="en-US" sz="1600" b="1" dirty="0" smtClean="0">
-                <a:latin typeface="+mn-ea"/>
+                <a:latin typeface="+mj-ea"/>
+                <a:ea typeface="+mj-ea"/>
               </a:rPr>
               <a:t>用途に合わせて作っていこう。</a:t>
             </a:r>
             <a:endParaRPr lang="en-US" altLang="ja-JP" sz="1600" b="1" dirty="0" smtClean="0">
-              <a:latin typeface="+mn-ea"/>
+              <a:latin typeface="+mj-ea"/>
+              <a:ea typeface="+mj-ea"/>
             </a:endParaRPr>
           </a:p>
         </p:txBody>
@@ -4994,7 +5009,7 @@
         </p:nvCxnSpPr>
         <p:spPr>
           <a:xfrm>
-            <a:off x="-460262" y="3760873"/>
+            <a:off x="-460262" y="3673584"/>
             <a:ext cx="7782560" cy="0"/>
           </a:xfrm>
           <a:prstGeom prst="line">
@@ -5022,275 +5037,6 @@
           </a:fontRef>
         </p:style>
       </p:cxnSp>
-      <p:sp>
-        <p:nvSpPr>
-          <p:cNvPr id="23" name="テキスト ボックス 22"/>
-          <p:cNvSpPr txBox="1"/>
-          <p:nvPr/>
-        </p:nvSpPr>
-        <p:spPr>
-          <a:xfrm>
-            <a:off x="306" y="4347084"/>
-            <a:ext cx="6858000" cy="2015936"/>
-          </a:xfrm>
-          <a:prstGeom prst="rect">
-            <a:avLst/>
-          </a:prstGeom>
-          <a:solidFill>
-            <a:schemeClr val="accent3">
-              <a:lumMod val="20000"/>
-              <a:lumOff val="80000"/>
-            </a:schemeClr>
-          </a:solidFill>
-          <a:ln>
-            <a:solidFill>
-              <a:schemeClr val="tx1"/>
-            </a:solidFill>
-          </a:ln>
-        </p:spPr>
-        <p:txBody>
-          <a:bodyPr wrap="square" rtlCol="0" anchor="ctr">
-            <a:spAutoFit/>
-          </a:bodyPr>
-          <a:lstStyle/>
-          <a:p>
-            <a:r>
-              <a:rPr lang="ja-JP" altLang="en-US" sz="1600" b="1" dirty="0" smtClean="0">
-                <a:latin typeface="+mn-ea"/>
-              </a:rPr>
-              <a:t>挙動の表現に複雑な計算が必要な場合、</a:t>
-            </a:r>
-            <a:endParaRPr lang="en-US" altLang="ja-JP" sz="1600" b="1" dirty="0" smtClean="0">
-              <a:latin typeface="+mn-ea"/>
-            </a:endParaRPr>
-          </a:p>
-          <a:p>
-            <a:r>
-              <a:rPr lang="ja-JP" altLang="en-US" sz="1600" b="1" dirty="0" smtClean="0">
-                <a:solidFill>
-                  <a:srgbClr val="FF0000"/>
-                </a:solidFill>
-                <a:effectLst>
-                  <a:outerShdw blurRad="50800" dist="38100" dir="2700000" algn="tl" rotWithShape="0">
-                    <a:prstClr val="black">
-                      <a:alpha val="40000"/>
-                    </a:prstClr>
-                  </a:outerShdw>
-                </a:effectLst>
-                <a:latin typeface="+mn-ea"/>
-              </a:rPr>
-              <a:t>なるべく簡単な計算で似た表現ができないかや、</a:t>
-            </a:r>
-            <a:endParaRPr lang="en-US" altLang="ja-JP" sz="1600" b="1" dirty="0" smtClean="0">
-              <a:solidFill>
-                <a:srgbClr val="FF0000"/>
-              </a:solidFill>
-              <a:effectLst>
-                <a:outerShdw blurRad="50800" dist="38100" dir="2700000" algn="tl" rotWithShape="0">
-                  <a:prstClr val="black">
-                    <a:alpha val="40000"/>
-                  </a:prstClr>
-                </a:outerShdw>
-              </a:effectLst>
-              <a:latin typeface="+mn-ea"/>
-            </a:endParaRPr>
-          </a:p>
-          <a:p>
-            <a:r>
-              <a:rPr lang="ja-JP" altLang="en-US" sz="1600" b="1" dirty="0" smtClean="0">
-                <a:solidFill>
-                  <a:srgbClr val="FF0000"/>
-                </a:solidFill>
-                <a:effectLst>
-                  <a:outerShdw blurRad="50800" dist="38100" dir="2700000" algn="tl" rotWithShape="0">
-                    <a:prstClr val="black">
-                      <a:alpha val="40000"/>
-                    </a:prstClr>
-                  </a:outerShdw>
-                </a:effectLst>
-                <a:latin typeface="+mn-ea"/>
-              </a:rPr>
-              <a:t>もっと簡単な表現で十分でないかと考えるといい</a:t>
-            </a:r>
-            <a:r>
-              <a:rPr lang="ja-JP" altLang="en-US" sz="1600" b="1" dirty="0" smtClean="0">
-                <a:latin typeface="+mn-ea"/>
-              </a:rPr>
-              <a:t>。</a:t>
-            </a:r>
-            <a:endParaRPr lang="en-US" altLang="ja-JP" sz="1600" b="1" dirty="0" smtClean="0">
-              <a:latin typeface="+mn-ea"/>
-            </a:endParaRPr>
-          </a:p>
-          <a:p>
-            <a:r>
-              <a:rPr lang="ja-JP" altLang="en-US" sz="1600" b="1" dirty="0" smtClean="0">
-                <a:latin typeface="+mn-ea"/>
-              </a:rPr>
-              <a:t>複雑な計算は多用すると処理負荷がかかるし可読性も下がる</a:t>
-            </a:r>
-            <a:r>
-              <a:rPr lang="ja-JP" altLang="en-US" sz="1600" b="1" dirty="0" smtClean="0">
-                <a:latin typeface="+mn-ea"/>
-              </a:rPr>
-              <a:t>。</a:t>
-            </a:r>
-            <a:endParaRPr lang="en-US" altLang="ja-JP" sz="1600" b="1" dirty="0" smtClean="0">
-              <a:latin typeface="+mn-ea"/>
-            </a:endParaRPr>
-          </a:p>
-          <a:p>
-            <a:endParaRPr lang="en-US" altLang="ja-JP" sz="400" b="1" dirty="0" smtClean="0">
-              <a:latin typeface="+mn-ea"/>
-            </a:endParaRPr>
-          </a:p>
-          <a:p>
-            <a:r>
-              <a:rPr lang="ja-JP" altLang="en-US" sz="1600" b="1" dirty="0" smtClean="0">
-                <a:latin typeface="+mn-ea"/>
-              </a:rPr>
-              <a:t>それに一つの表現に時間をかけす</a:t>
-            </a:r>
-            <a:r>
-              <a:rPr lang="ja-JP" altLang="en-US" sz="1600" b="1" dirty="0">
-                <a:latin typeface="+mn-ea"/>
-              </a:rPr>
-              <a:t>ぎ</a:t>
-            </a:r>
-            <a:r>
-              <a:rPr lang="ja-JP" altLang="en-US" sz="1600" b="1" dirty="0" smtClean="0">
-                <a:latin typeface="+mn-ea"/>
-              </a:rPr>
-              <a:t>るとその他の部分が疎かになる。</a:t>
-            </a:r>
-            <a:endParaRPr lang="en-US" altLang="ja-JP" sz="1600" b="1" dirty="0" smtClean="0">
-              <a:latin typeface="+mn-ea"/>
-            </a:endParaRPr>
-          </a:p>
-          <a:p>
-            <a:r>
-              <a:rPr lang="ja-JP" altLang="en-US" sz="2000" b="1" dirty="0" smtClean="0">
-                <a:solidFill>
-                  <a:srgbClr val="FF0000"/>
-                </a:solidFill>
-                <a:effectLst>
-                  <a:outerShdw blurRad="50800" dist="38100" dir="2700000" algn="tl" rotWithShape="0">
-                    <a:prstClr val="black">
-                      <a:alpha val="40000"/>
-                    </a:prstClr>
-                  </a:outerShdw>
-                </a:effectLst>
-                <a:latin typeface="+mn-ea"/>
-              </a:rPr>
-              <a:t>このよう</a:t>
-            </a:r>
-            <a:r>
-              <a:rPr lang="ja-JP" altLang="en-US" sz="2000" b="1" dirty="0" smtClean="0">
-                <a:solidFill>
-                  <a:srgbClr val="FF0000"/>
-                </a:solidFill>
-                <a:effectLst>
-                  <a:outerShdw blurRad="50800" dist="38100" dir="2700000" algn="tl" rotWithShape="0">
-                    <a:prstClr val="black">
-                      <a:alpha val="40000"/>
-                    </a:prstClr>
-                  </a:outerShdw>
-                </a:effectLst>
-                <a:latin typeface="+mn-ea"/>
-              </a:rPr>
-              <a:t>な妥協は</a:t>
-            </a:r>
-            <a:r>
-              <a:rPr lang="ja-JP" altLang="en-US" sz="2000" b="1" dirty="0" smtClean="0">
-                <a:solidFill>
-                  <a:srgbClr val="FF0000"/>
-                </a:solidFill>
-                <a:effectLst>
-                  <a:outerShdw blurRad="50800" dist="38100" dir="2700000" algn="tl" rotWithShape="0">
-                    <a:prstClr val="black">
-                      <a:alpha val="40000"/>
-                    </a:prstClr>
-                  </a:outerShdw>
-                </a:effectLst>
-                <a:latin typeface="+mn-ea"/>
-              </a:rPr>
-              <a:t>決して手抜きとは言わないので</a:t>
-            </a:r>
-            <a:endParaRPr lang="en-US" altLang="ja-JP" sz="2000" b="1" dirty="0" smtClean="0">
-              <a:solidFill>
-                <a:srgbClr val="FF0000"/>
-              </a:solidFill>
-              <a:effectLst>
-                <a:outerShdw blurRad="50800" dist="38100" dir="2700000" algn="tl" rotWithShape="0">
-                  <a:prstClr val="black">
-                    <a:alpha val="40000"/>
-                  </a:prstClr>
-                </a:outerShdw>
-              </a:effectLst>
-              <a:latin typeface="+mn-ea"/>
-            </a:endParaRPr>
-          </a:p>
-          <a:p>
-            <a:r>
-              <a:rPr lang="ja-JP" altLang="en-US" sz="2000" b="1" dirty="0" smtClean="0">
-                <a:solidFill>
-                  <a:srgbClr val="FF0000"/>
-                </a:solidFill>
-                <a:effectLst>
-                  <a:outerShdw blurRad="50800" dist="38100" dir="2700000" algn="tl" rotWithShape="0">
-                    <a:prstClr val="black">
-                      <a:alpha val="40000"/>
-                    </a:prstClr>
-                  </a:outerShdw>
-                </a:effectLst>
-                <a:latin typeface="+mn-ea"/>
-              </a:rPr>
-              <a:t>上手く</a:t>
-            </a:r>
-            <a:r>
-              <a:rPr lang="ja-JP" altLang="en-US" sz="2000" b="1" dirty="0" smtClean="0">
-                <a:solidFill>
-                  <a:srgbClr val="FF0000"/>
-                </a:solidFill>
-                <a:effectLst>
-                  <a:outerShdw blurRad="50800" dist="38100" dir="2700000" algn="tl" rotWithShape="0">
-                    <a:prstClr val="black">
-                      <a:alpha val="40000"/>
-                    </a:prstClr>
-                  </a:outerShdw>
-                </a:effectLst>
-                <a:latin typeface="+mn-ea"/>
-              </a:rPr>
-              <a:t>妥協点を</a:t>
-            </a:r>
-            <a:r>
-              <a:rPr lang="ja-JP" altLang="en-US" sz="2000" b="1" dirty="0" smtClean="0">
-                <a:solidFill>
-                  <a:srgbClr val="FF0000"/>
-                </a:solidFill>
-                <a:effectLst>
-                  <a:outerShdw blurRad="50800" dist="38100" dir="2700000" algn="tl" rotWithShape="0">
-                    <a:prstClr val="black">
-                      <a:alpha val="40000"/>
-                    </a:prstClr>
-                  </a:outerShdw>
-                </a:effectLst>
-                <a:latin typeface="+mn-ea"/>
-              </a:rPr>
-              <a:t>見つけて面白いゲームを作ろう</a:t>
-            </a:r>
-            <a:r>
-              <a:rPr lang="ja-JP" altLang="en-US" sz="1600" b="1" dirty="0" smtClean="0">
-                <a:latin typeface="+mn-ea"/>
-              </a:rPr>
-              <a:t>。</a:t>
-            </a:r>
-            <a:endParaRPr lang="en-US" altLang="ja-JP" sz="1600" b="1" dirty="0" smtClean="0">
-              <a:latin typeface="+mn-ea"/>
-            </a:endParaRPr>
-          </a:p>
-        </p:txBody>
-      </p:sp>
       <p:pic>
         <p:nvPicPr>
           <p:cNvPr id="16" name="図 15"/>
@@ -5312,8 +5058,8 @@
         </p:blipFill>
         <p:spPr>
           <a:xfrm>
-            <a:off x="3536614" y="6470774"/>
-            <a:ext cx="3229140" cy="1954479"/>
+            <a:off x="3929502" y="6057967"/>
+            <a:ext cx="2663770" cy="1612281"/>
           </a:xfrm>
           <a:prstGeom prst="rect">
             <a:avLst/>
@@ -5335,7 +5081,7 @@
         </p:nvCxnSpPr>
         <p:spPr>
           <a:xfrm>
-            <a:off x="-481988" y="8529671"/>
+            <a:off x="-481988" y="8610694"/>
             <a:ext cx="7782560" cy="0"/>
           </a:xfrm>
           <a:prstGeom prst="line">
@@ -5384,8 +5130,8 @@
         </p:blipFill>
         <p:spPr>
           <a:xfrm>
-            <a:off x="5428765" y="8646408"/>
-            <a:ext cx="1053315" cy="1149045"/>
+            <a:off x="5763688" y="8684093"/>
+            <a:ext cx="926910" cy="1011152"/>
           </a:xfrm>
           <a:prstGeom prst="rect">
             <a:avLst/>
@@ -5427,8 +5173,8 @@
         </p:nvSpPr>
         <p:spPr>
           <a:xfrm>
-            <a:off x="1704646" y="8784301"/>
-            <a:ext cx="3174571" cy="1011152"/>
+            <a:off x="1828801" y="8684094"/>
+            <a:ext cx="3501354" cy="1037336"/>
           </a:xfrm>
           <a:prstGeom prst="wedgeRoundRectCallout">
             <a:avLst>
@@ -5457,17 +5203,16 @@
           <a:lstStyle/>
           <a:p>
             <a:r>
-              <a:rPr lang="ja-JP" altLang="en-US" sz="2400" b="1" dirty="0" smtClean="0"/>
+              <a:rPr lang="ja-JP" altLang="en-US" sz="2800" b="1" dirty="0" smtClean="0"/>
               <a:t>ルールを守って</a:t>
             </a:r>
-            <a:endParaRPr lang="en-US" altLang="ja-JP" sz="2400" b="1" dirty="0" smtClean="0"/>
-          </a:p>
-          <a:p>
-            <a:r>
-              <a:rPr lang="en-US" altLang="ja-JP" sz="2400" b="1" dirty="0" smtClean="0"/>
+            <a:endParaRPr lang="en-US" altLang="ja-JP" sz="2800" b="1" dirty="0" smtClean="0"/>
+          </a:p>
+          <a:p>
+            <a:r>
+              <a:rPr lang="en-US" altLang="ja-JP" sz="2800" b="1" dirty="0" smtClean="0"/>
               <a:t>Let’s Programming!!</a:t>
             </a:r>
-            <a:endParaRPr lang="en-US" altLang="ja-JP" sz="2400" b="1" dirty="0" smtClean="0"/>
           </a:p>
         </p:txBody>
       </p:sp>
@@ -5493,7 +5238,7 @@
         </p:blipFill>
         <p:spPr>
           <a:xfrm>
-            <a:off x="59733" y="9121864"/>
+            <a:off x="203207" y="9221519"/>
             <a:ext cx="1518842" cy="364106"/>
           </a:xfrm>
           <a:prstGeom prst="rect">
@@ -5509,7 +5254,7 @@
         </p:nvGrpSpPr>
         <p:grpSpPr>
           <a:xfrm>
-            <a:off x="0" y="6517074"/>
+            <a:off x="333576" y="6026887"/>
             <a:ext cx="3409292" cy="1792799"/>
             <a:chOff x="0" y="6470774"/>
             <a:chExt cx="3409292" cy="1792799"/>
@@ -5539,132 +5284,127 @@
             <a:p>
               <a:r>
                 <a:rPr lang="ja-JP" altLang="en-US" sz="1600" b="1" dirty="0" smtClean="0">
-                  <a:latin typeface="+mn-ea"/>
+                  <a:latin typeface="+mj-ea"/>
+                  <a:ea typeface="+mj-ea"/>
                 </a:rPr>
-                <a:t>例：熊の爆弾投擲の</a:t>
-              </a:r>
-              <a:r>
-                <a:rPr lang="ja-JP" altLang="en-US" sz="1600" b="1" dirty="0" smtClean="0">
-                  <a:latin typeface="+mn-ea"/>
-                </a:rPr>
-                <a:t>挙動</a:t>
+                <a:t>例：熊の爆弾投擲の挙動</a:t>
               </a:r>
               <a:r>
                 <a:rPr lang="en-US" altLang="ja-JP" sz="1600" b="1" dirty="0">
-                  <a:latin typeface="+mn-ea"/>
+                  <a:latin typeface="+mj-ea"/>
+                  <a:ea typeface="+mj-ea"/>
                 </a:rPr>
                 <a:t>	</a:t>
               </a:r>
               <a:r>
                 <a:rPr lang="ja-JP" altLang="en-US" sz="1600" b="1" dirty="0" smtClean="0">
-                  <a:latin typeface="+mn-ea"/>
+                  <a:latin typeface="+mj-ea"/>
+                  <a:ea typeface="+mj-ea"/>
                 </a:rPr>
                 <a:t>　→</a:t>
               </a:r>
               <a:endParaRPr lang="en-US" altLang="ja-JP" sz="1600" b="1" dirty="0" smtClean="0">
-                <a:latin typeface="+mn-ea"/>
+                <a:latin typeface="+mj-ea"/>
+                <a:ea typeface="+mj-ea"/>
               </a:endParaRPr>
             </a:p>
             <a:p>
               <a:endParaRPr lang="en-US" altLang="ja-JP" sz="500" b="1" dirty="0" smtClean="0">
-                <a:latin typeface="+mn-ea"/>
+                <a:latin typeface="+mj-ea"/>
+                <a:ea typeface="+mj-ea"/>
               </a:endParaRPr>
             </a:p>
             <a:p>
               <a:r>
                 <a:rPr lang="en-US" altLang="ja-JP" sz="1600" b="1" dirty="0">
-                  <a:latin typeface="+mn-ea"/>
+                  <a:latin typeface="+mj-ea"/>
+                  <a:ea typeface="+mj-ea"/>
                 </a:rPr>
                 <a:t> </a:t>
               </a:r>
               <a:r>
                 <a:rPr lang="en-US" altLang="ja-JP" sz="1600" b="1" dirty="0" smtClean="0">
-                  <a:latin typeface="+mn-ea"/>
+                  <a:latin typeface="+mj-ea"/>
+                  <a:ea typeface="+mj-ea"/>
                 </a:rPr>
                 <a:t>      </a:t>
               </a:r>
               <a:r>
                 <a:rPr lang="ja-JP" altLang="en-US" sz="1600" b="1" dirty="0" smtClean="0">
-                  <a:latin typeface="+mn-ea"/>
+                  <a:latin typeface="+mj-ea"/>
+                  <a:ea typeface="+mj-ea"/>
                 </a:rPr>
                 <a:t>本来は斜方投射の計算式を</a:t>
               </a:r>
               <a:endParaRPr lang="en-US" altLang="ja-JP" sz="1600" b="1" dirty="0" smtClean="0">
-                <a:latin typeface="+mn-ea"/>
+                <a:latin typeface="+mj-ea"/>
+                <a:ea typeface="+mj-ea"/>
               </a:endParaRPr>
             </a:p>
             <a:p>
               <a:r>
                 <a:rPr lang="ja-JP" altLang="en-US" sz="1600" b="1" dirty="0" smtClean="0">
-                  <a:latin typeface="+mn-ea"/>
+                  <a:latin typeface="+mj-ea"/>
+                  <a:ea typeface="+mj-ea"/>
                 </a:rPr>
-                <a:t>       </a:t>
-              </a:r>
-              <a:r>
-                <a:rPr lang="ja-JP" altLang="en-US" sz="1600" b="1" dirty="0" smtClean="0">
-                  <a:latin typeface="+mn-ea"/>
-                </a:rPr>
-                <a:t>使って複雑な計算を</a:t>
+                <a:t>       使って複雑な計算を</a:t>
               </a:r>
               <a:endParaRPr lang="en-US" altLang="ja-JP" sz="1600" b="1" dirty="0" smtClean="0">
-                <a:latin typeface="+mn-ea"/>
+                <a:latin typeface="+mj-ea"/>
+                <a:ea typeface="+mj-ea"/>
               </a:endParaRPr>
             </a:p>
             <a:p>
               <a:r>
                 <a:rPr lang="ja-JP" altLang="en-US" sz="1600" b="1" dirty="0" smtClean="0">
-                  <a:latin typeface="+mn-ea"/>
+                  <a:latin typeface="+mj-ea"/>
+                  <a:ea typeface="+mj-ea"/>
                 </a:rPr>
-                <a:t>　　する</a:t>
-              </a:r>
-              <a:r>
-                <a:rPr lang="ja-JP" altLang="en-US" sz="1600" b="1" dirty="0" smtClean="0">
-                  <a:latin typeface="+mn-ea"/>
-                </a:rPr>
-                <a:t>ところ</a:t>
-              </a:r>
-              <a:r>
-                <a:rPr lang="ja-JP" altLang="en-US" sz="1600" b="1" dirty="0" smtClean="0">
-                  <a:latin typeface="+mn-ea"/>
-                </a:rPr>
-                <a:t>を、検討の結果</a:t>
+                <a:t>　　するところを、検討の結果</a:t>
               </a:r>
               <a:endParaRPr lang="en-US" altLang="ja-JP" sz="1600" b="1" dirty="0" smtClean="0">
-                <a:latin typeface="+mn-ea"/>
+                <a:latin typeface="+mj-ea"/>
+                <a:ea typeface="+mj-ea"/>
               </a:endParaRPr>
             </a:p>
             <a:p>
               <a:r>
                 <a:rPr lang="en-US" altLang="ja-JP" sz="1600" b="1" dirty="0">
-                  <a:latin typeface="+mn-ea"/>
+                  <a:latin typeface="+mj-ea"/>
+                  <a:ea typeface="+mj-ea"/>
                 </a:rPr>
                 <a:t> </a:t>
               </a:r>
               <a:r>
                 <a:rPr lang="en-US" altLang="ja-JP" sz="1600" b="1" dirty="0" smtClean="0">
-                  <a:latin typeface="+mn-ea"/>
+                  <a:latin typeface="+mj-ea"/>
+                  <a:ea typeface="+mj-ea"/>
                 </a:rPr>
                 <a:t>      sin</a:t>
               </a:r>
               <a:r>
                 <a:rPr lang="ja-JP" altLang="en-US" sz="1600" b="1" dirty="0" smtClean="0">
-                  <a:latin typeface="+mn-ea"/>
+                  <a:latin typeface="+mj-ea"/>
+                  <a:ea typeface="+mj-ea"/>
                 </a:rPr>
                 <a:t>関数を使って操作する</a:t>
               </a:r>
               <a:endParaRPr lang="en-US" altLang="ja-JP" sz="1600" b="1" dirty="0" smtClean="0">
-                <a:latin typeface="+mn-ea"/>
+                <a:latin typeface="+mj-ea"/>
+                <a:ea typeface="+mj-ea"/>
               </a:endParaRPr>
             </a:p>
             <a:p>
               <a:r>
                 <a:rPr lang="ja-JP" altLang="en-US" sz="1600" b="1" dirty="0" smtClean="0">
-                  <a:latin typeface="+mn-ea"/>
+                  <a:latin typeface="+mj-ea"/>
+                  <a:ea typeface="+mj-ea"/>
                 </a:rPr>
                 <a:t>       形に変更した。</a:t>
               </a:r>
               <a:endParaRPr lang="en-US" altLang="ja-JP" sz="1600" b="1" dirty="0" smtClean="0">
-                <a:latin typeface="+mn-ea"/>
+                <a:latin typeface="+mj-ea"/>
+                <a:ea typeface="+mj-ea"/>
               </a:endParaRPr>
             </a:p>
           </p:txBody>
@@ -5695,19 +5435,7 @@
                 <a:rPr kumimoji="1" lang="ja-JP" altLang="en-US" sz="700" b="1" dirty="0" smtClean="0">
                   <a:latin typeface="+mn-ea"/>
                 </a:rPr>
-                <a:t>ばく</a:t>
-              </a:r>
-              <a:r>
-                <a:rPr kumimoji="1" lang="ja-JP" altLang="en-US" sz="700" b="1" dirty="0" smtClean="0">
-                  <a:latin typeface="+mn-ea"/>
-                </a:rPr>
-                <a:t>だん</a:t>
-              </a:r>
-              <a:r>
-                <a:rPr kumimoji="1" lang="ja-JP" altLang="en-US" sz="700" b="1" dirty="0" smtClean="0">
-                  <a:latin typeface="+mn-ea"/>
-                </a:rPr>
-                <a:t>とうてき</a:t>
+                <a:t>ばくだんとうてき</a:t>
               </a:r>
               <a:endParaRPr kumimoji="1" lang="ja-JP" altLang="en-US" sz="700" b="1" dirty="0">
                 <a:latin typeface="+mn-ea"/>
@@ -5750,16 +5478,239 @@
           </p:txBody>
         </p:sp>
       </p:grpSp>
-      <p:sp>
-        <p:nvSpPr>
-          <p:cNvPr id="28" name="テキスト ボックス 27"/>
+      <p:grpSp>
+        <p:nvGrpSpPr>
+          <p:cNvPr id="2" name="グループ化 1"/>
+          <p:cNvGrpSpPr/>
+          <p:nvPr/>
+        </p:nvGrpSpPr>
+        <p:grpSpPr>
+          <a:xfrm>
+            <a:off x="-9854" y="4276219"/>
+            <a:ext cx="6867854" cy="1708160"/>
+            <a:chOff x="6945" y="4385411"/>
+            <a:chExt cx="6858000" cy="1742645"/>
+          </a:xfrm>
+        </p:grpSpPr>
+        <p:sp>
+          <p:nvSpPr>
+            <p:cNvPr id="23" name="テキスト ボックス 22"/>
+            <p:cNvSpPr txBox="1"/>
+            <p:nvPr/>
+          </p:nvSpPr>
+          <p:spPr>
+            <a:xfrm>
+              <a:off x="6945" y="4385411"/>
+              <a:ext cx="6858000" cy="1742645"/>
+            </a:xfrm>
+            <a:prstGeom prst="rect">
+              <a:avLst/>
+            </a:prstGeom>
+            <a:solidFill>
+              <a:schemeClr val="accent3">
+                <a:lumMod val="20000"/>
+                <a:lumOff val="80000"/>
+              </a:schemeClr>
+            </a:solidFill>
+            <a:ln>
+              <a:solidFill>
+                <a:schemeClr val="tx1"/>
+              </a:solidFill>
+            </a:ln>
+          </p:spPr>
+          <p:txBody>
+            <a:bodyPr wrap="square" rtlCol="0" anchor="ctr">
+              <a:spAutoFit/>
+            </a:bodyPr>
+            <a:lstStyle/>
+            <a:p>
+              <a:r>
+                <a:rPr lang="ja-JP" altLang="en-US" sz="1600" b="1" dirty="0" smtClean="0">
+                  <a:latin typeface="+mn-ea"/>
+                </a:rPr>
+                <a:t>挙動の表現に複雑な計算が必要な場合、</a:t>
+              </a:r>
+              <a:endParaRPr lang="en-US" altLang="ja-JP" sz="1600" b="1" dirty="0" smtClean="0">
+                <a:latin typeface="+mn-ea"/>
+              </a:endParaRPr>
+            </a:p>
+            <a:p>
+              <a:r>
+                <a:rPr lang="ja-JP" altLang="en-US" sz="1600" b="1" dirty="0" smtClean="0">
+                  <a:solidFill>
+                    <a:srgbClr val="FF0000"/>
+                  </a:solidFill>
+                  <a:effectLst>
+                    <a:outerShdw blurRad="50800" dist="38100" dir="2700000" algn="tl" rotWithShape="0">
+                      <a:prstClr val="black">
+                        <a:alpha val="40000"/>
+                      </a:prstClr>
+                    </a:outerShdw>
+                  </a:effectLst>
+                  <a:latin typeface="+mn-ea"/>
+                </a:rPr>
+                <a:t>なるべく簡単な計算で近い挙動が出来ないか</a:t>
+              </a:r>
+              <a:r>
+                <a:rPr lang="ja-JP" altLang="en-US" sz="1600" b="1" dirty="0">
+                  <a:solidFill>
+                    <a:srgbClr val="FF0000"/>
+                  </a:solidFill>
+                  <a:effectLst>
+                    <a:outerShdw blurRad="50800" dist="38100" dir="2700000" algn="tl" rotWithShape="0">
+                      <a:prstClr val="black">
+                        <a:alpha val="40000"/>
+                      </a:prstClr>
+                    </a:outerShdw>
+                  </a:effectLst>
+                  <a:latin typeface="+mn-ea"/>
+                </a:rPr>
+                <a:t>を</a:t>
+              </a:r>
+              <a:r>
+                <a:rPr lang="ja-JP" altLang="en-US" sz="1600" b="1" dirty="0" smtClean="0">
+                  <a:solidFill>
+                    <a:srgbClr val="FF0000"/>
+                  </a:solidFill>
+                  <a:effectLst>
+                    <a:outerShdw blurRad="50800" dist="38100" dir="2700000" algn="tl" rotWithShape="0">
+                      <a:prstClr val="black">
+                        <a:alpha val="40000"/>
+                      </a:prstClr>
+                    </a:outerShdw>
+                  </a:effectLst>
+                  <a:latin typeface="+mn-ea"/>
+                </a:rPr>
+                <a:t>考える</a:t>
+              </a:r>
+              <a:r>
+                <a:rPr lang="ja-JP" altLang="en-US" sz="1600" b="1" dirty="0" smtClean="0">
+                  <a:solidFill>
+                    <a:srgbClr val="FF0000"/>
+                  </a:solidFill>
+                  <a:effectLst>
+                    <a:outerShdw blurRad="50800" dist="38100" dir="2700000" algn="tl" rotWithShape="0">
+                      <a:prstClr val="black">
+                        <a:alpha val="40000"/>
+                      </a:prstClr>
+                    </a:outerShdw>
+                  </a:effectLst>
+                  <a:latin typeface="+mn-ea"/>
+                </a:rPr>
+                <a:t>といい</a:t>
+              </a:r>
+              <a:r>
+                <a:rPr lang="ja-JP" altLang="en-US" sz="1600" b="1" dirty="0" smtClean="0">
+                  <a:latin typeface="+mn-ea"/>
+                </a:rPr>
+                <a:t>。</a:t>
+              </a:r>
+              <a:endParaRPr lang="en-US" altLang="ja-JP" sz="1600" b="1" dirty="0" smtClean="0">
+                <a:latin typeface="+mn-ea"/>
+              </a:endParaRPr>
+            </a:p>
+            <a:p>
+              <a:r>
+                <a:rPr lang="ja-JP" altLang="en-US" sz="2400" b="1" dirty="0" smtClean="0">
+                  <a:latin typeface="+mn-ea"/>
+                </a:rPr>
+                <a:t>なぜなら</a:t>
+              </a:r>
+              <a:endParaRPr lang="en-US" altLang="ja-JP" sz="2400" b="1" dirty="0" smtClean="0">
+                <a:latin typeface="+mn-ea"/>
+              </a:endParaRPr>
+            </a:p>
+            <a:p>
+              <a:endParaRPr lang="en-US" altLang="ja-JP" sz="600" b="1" dirty="0" smtClean="0">
+                <a:latin typeface="+mn-ea"/>
+              </a:endParaRPr>
+            </a:p>
+            <a:p>
+              <a:r>
+                <a:rPr lang="en-US" altLang="ja-JP" b="1" dirty="0" smtClean="0">
+                  <a:latin typeface="+mn-ea"/>
+                </a:rPr>
+                <a:t>1:</a:t>
+              </a:r>
+              <a:r>
+                <a:rPr lang="ja-JP" altLang="en-US" b="1" dirty="0" smtClean="0">
+                  <a:latin typeface="+mn-ea"/>
+                </a:rPr>
+                <a:t>複雑な計算は処理負荷を上げ、コードの可読性を下げる</a:t>
+              </a:r>
+              <a:endParaRPr lang="en-US" altLang="ja-JP" b="1" dirty="0" smtClean="0">
+                <a:latin typeface="+mn-ea"/>
+              </a:endParaRPr>
+            </a:p>
+            <a:p>
+              <a:endParaRPr lang="en-US" altLang="ja-JP" sz="700" b="1" dirty="0" smtClean="0">
+                <a:latin typeface="+mn-ea"/>
+              </a:endParaRPr>
+            </a:p>
+            <a:p>
+              <a:r>
+                <a:rPr lang="en-US" altLang="ja-JP" b="1" dirty="0" smtClean="0">
+                  <a:latin typeface="+mn-ea"/>
+                </a:rPr>
+                <a:t>2:</a:t>
+              </a:r>
+              <a:r>
+                <a:rPr lang="ja-JP" altLang="en-US" b="1" dirty="0" smtClean="0">
+                  <a:latin typeface="+mn-ea"/>
+                </a:rPr>
+                <a:t>その複雑な計算を検証している間他の部分が疎かになる</a:t>
+              </a:r>
+              <a:endParaRPr lang="en-US" altLang="ja-JP" b="1" dirty="0" smtClean="0">
+                <a:latin typeface="+mn-ea"/>
+              </a:endParaRPr>
+            </a:p>
+          </p:txBody>
+        </p:sp>
+        <p:sp>
+          <p:nvSpPr>
+            <p:cNvPr id="29" name="テキスト ボックス 28"/>
+            <p:cNvSpPr txBox="1"/>
+            <p:nvPr/>
+          </p:nvSpPr>
+          <p:spPr>
+            <a:xfrm>
+              <a:off x="4762165" y="5655775"/>
+              <a:ext cx="464697" cy="200055"/>
+            </a:xfrm>
+            <a:prstGeom prst="rect">
+              <a:avLst/>
+            </a:prstGeom>
+            <a:noFill/>
+          </p:spPr>
+          <p:txBody>
+            <a:bodyPr wrap="square" rtlCol="0">
+              <a:spAutoFit/>
+            </a:bodyPr>
+            <a:lstStyle/>
+            <a:p>
+              <a:r>
+                <a:rPr kumimoji="1" lang="ja-JP" altLang="en-US" sz="700" b="1" dirty="0" smtClean="0">
+                  <a:latin typeface="+mn-ea"/>
+                </a:rPr>
+                <a:t>おろそ</a:t>
+              </a:r>
+              <a:endParaRPr kumimoji="1" lang="ja-JP" altLang="en-US" sz="700" b="1" dirty="0">
+                <a:latin typeface="+mn-ea"/>
+              </a:endParaRPr>
+            </a:p>
+          </p:txBody>
+        </p:sp>
+      </p:grpSp>
+      <p:sp>
+        <p:nvSpPr>
+          <p:cNvPr id="30" name="テキスト ボックス 29"/>
           <p:cNvSpPr txBox="1"/>
           <p:nvPr/>
         </p:nvSpPr>
         <p:spPr>
           <a:xfrm>
-            <a:off x="5054600" y="5316045"/>
-            <a:ext cx="457200" cy="200055"/>
+            <a:off x="-9854" y="7750618"/>
+            <a:ext cx="7278727" cy="830997"/>
           </a:xfrm>
           <a:prstGeom prst="rect">
             <a:avLst/>
@@ -5773,12 +5724,139 @@
           <a:lstStyle/>
           <a:p>
             <a:r>
-              <a:rPr kumimoji="1" lang="ja-JP" altLang="en-US" sz="700" b="1" dirty="0" smtClean="0">
+              <a:rPr lang="ja-JP" altLang="en-US" sz="2400" b="1" dirty="0">
+                <a:solidFill>
+                  <a:srgbClr val="FF0000"/>
+                </a:solidFill>
+                <a:effectLst>
+                  <a:outerShdw blurRad="50800" dist="38100" dir="2700000" algn="tl" rotWithShape="0">
+                    <a:prstClr val="black">
+                      <a:alpha val="40000"/>
+                    </a:prstClr>
+                  </a:outerShdw>
+                </a:effectLst>
                 <a:latin typeface="+mn-ea"/>
               </a:rPr>
-              <a:t>おろそ</a:t>
-            </a:r>
-            <a:endParaRPr kumimoji="1" lang="ja-JP" altLang="en-US" sz="700" b="1" dirty="0">
+              <a:t>このような妥協は決して手抜きとは言わないので</a:t>
+            </a:r>
+            <a:endParaRPr lang="en-US" altLang="ja-JP" sz="2400" b="1" dirty="0">
+              <a:solidFill>
+                <a:srgbClr val="FF0000"/>
+              </a:solidFill>
+              <a:effectLst>
+                <a:outerShdw blurRad="50800" dist="38100" dir="2700000" algn="tl" rotWithShape="0">
+                  <a:prstClr val="black">
+                    <a:alpha val="40000"/>
+                  </a:prstClr>
+                </a:outerShdw>
+              </a:effectLst>
+              <a:latin typeface="+mn-ea"/>
+            </a:endParaRPr>
+          </a:p>
+          <a:p>
+            <a:r>
+              <a:rPr lang="ja-JP" altLang="en-US" sz="2400" b="1" dirty="0">
+                <a:solidFill>
+                  <a:srgbClr val="FF0000"/>
+                </a:solidFill>
+                <a:effectLst>
+                  <a:outerShdw blurRad="50800" dist="38100" dir="2700000" algn="tl" rotWithShape="0">
+                    <a:prstClr val="black">
+                      <a:alpha val="40000"/>
+                    </a:prstClr>
+                  </a:outerShdw>
+                </a:effectLst>
+                <a:latin typeface="+mn-ea"/>
+              </a:rPr>
+              <a:t>上手く妥協点を見つけて面白いゲームを</a:t>
+            </a:r>
+            <a:r>
+              <a:rPr lang="ja-JP" altLang="en-US" sz="2400" b="1" dirty="0" smtClean="0">
+                <a:solidFill>
+                  <a:srgbClr val="FF0000"/>
+                </a:solidFill>
+                <a:effectLst>
+                  <a:outerShdw blurRad="50800" dist="38100" dir="2700000" algn="tl" rotWithShape="0">
+                    <a:prstClr val="black">
+                      <a:alpha val="40000"/>
+                    </a:prstClr>
+                  </a:outerShdw>
+                </a:effectLst>
+                <a:latin typeface="+mn-ea"/>
+              </a:rPr>
+              <a:t>作ろう！</a:t>
+            </a:r>
+            <a:endParaRPr lang="en-US" altLang="ja-JP" sz="1600" b="1" dirty="0">
+              <a:latin typeface="+mn-ea"/>
+            </a:endParaRPr>
+          </a:p>
+        </p:txBody>
+      </p:sp>
+      <p:sp>
+        <p:nvSpPr>
+          <p:cNvPr id="31" name="テキスト ボックス 30"/>
+          <p:cNvSpPr txBox="1"/>
+          <p:nvPr/>
+        </p:nvSpPr>
+        <p:spPr>
+          <a:xfrm>
+            <a:off x="-9853" y="3266406"/>
+            <a:ext cx="6867854" cy="400110"/>
+          </a:xfrm>
+          <a:prstGeom prst="rect">
+            <a:avLst/>
+          </a:prstGeom>
+          <a:noFill/>
+        </p:spPr>
+        <p:txBody>
+          <a:bodyPr wrap="square" rtlCol="0">
+            <a:spAutoFit/>
+          </a:bodyPr>
+          <a:lstStyle/>
+          <a:p>
+            <a:r>
+              <a:rPr lang="en-US" altLang="ja-JP" sz="2000" b="1" dirty="0" smtClean="0">
+                <a:solidFill>
+                  <a:srgbClr val="FF0000"/>
+                </a:solidFill>
+                <a:effectLst>
+                  <a:outerShdw blurRad="50800" dist="38100" dir="2700000" algn="tl" rotWithShape="0">
+                    <a:prstClr val="black">
+                      <a:alpha val="40000"/>
+                    </a:prstClr>
+                  </a:outerShdw>
+                </a:effectLst>
+                <a:latin typeface="+mn-ea"/>
+              </a:rPr>
+              <a:t>VisualStudio</a:t>
+            </a:r>
+            <a:r>
+              <a:rPr lang="ja-JP" altLang="en-US" sz="2000" b="1" dirty="0" smtClean="0">
+                <a:solidFill>
+                  <a:srgbClr val="FF0000"/>
+                </a:solidFill>
+                <a:effectLst>
+                  <a:outerShdw blurRad="50800" dist="38100" dir="2700000" algn="tl" rotWithShape="0">
+                    <a:prstClr val="black">
+                      <a:alpha val="40000"/>
+                    </a:prstClr>
+                  </a:outerShdw>
+                </a:effectLst>
+                <a:latin typeface="+mn-ea"/>
+              </a:rPr>
+              <a:t>を上手に使ってゲームを作りこんでいこう！</a:t>
+            </a:r>
+            <a:endParaRPr lang="en-US" altLang="ja-JP" sz="2000" b="1" dirty="0">
+              <a:solidFill>
+                <a:srgbClr val="FF0000"/>
+              </a:solidFill>
+              <a:effectLst>
+                <a:outerShdw blurRad="50800" dist="38100" dir="2700000" algn="tl" rotWithShape="0">
+                  <a:prstClr val="black">
+                    <a:alpha val="40000"/>
+                  </a:prstClr>
+                </a:outerShdw>
+              </a:effectLst>
               <a:latin typeface="+mn-ea"/>
             </a:endParaRPr>
           </a:p>
